--- a/InstallingCommonPrograms/InstallingSoftware.pptx
+++ b/InstallingCommonPrograms/InstallingSoftware.pptx
@@ -5,19 +5,21 @@
     <p:sldMasterId id="2147483648" r:id="rId1"/>
   </p:sldMasterIdLst>
   <p:notesMasterIdLst>
-    <p:notesMasterId r:id="rId12"/>
+    <p:notesMasterId r:id="rId14"/>
   </p:notesMasterIdLst>
   <p:sldIdLst>
     <p:sldId id="256" r:id="rId2"/>
     <p:sldId id="263" r:id="rId3"/>
     <p:sldId id="261" r:id="rId4"/>
-    <p:sldId id="265" r:id="rId5"/>
-    <p:sldId id="268" r:id="rId6"/>
-    <p:sldId id="258" r:id="rId7"/>
-    <p:sldId id="264" r:id="rId8"/>
-    <p:sldId id="266" r:id="rId9"/>
-    <p:sldId id="259" r:id="rId10"/>
-    <p:sldId id="260" r:id="rId11"/>
+    <p:sldId id="268" r:id="rId5"/>
+    <p:sldId id="270" r:id="rId6"/>
+    <p:sldId id="271" r:id="rId7"/>
+    <p:sldId id="269" r:id="rId8"/>
+    <p:sldId id="258" r:id="rId9"/>
+    <p:sldId id="264" r:id="rId10"/>
+    <p:sldId id="266" r:id="rId11"/>
+    <p:sldId id="259" r:id="rId12"/>
+    <p:sldId id="260" r:id="rId13"/>
   </p:sldIdLst>
   <p:sldSz cx="9144000" cy="6858000" type="screen4x3"/>
   <p:notesSz cx="6858000" cy="9144000"/>
@@ -201,7 +203,7 @@
           <a:p>
             <a:fld id="{C5B9BB02-6833-BD45-A5F8-3B4B56DEAEFD}" type="datetimeFigureOut">
               <a:rPr lang="en-US" smtClean="0"/>
-              <a:t>8/2/14</a:t>
+              <a:t>8/3/14</a:t>
             </a:fld>
             <a:endParaRPr lang="en-US"/>
           </a:p>
@@ -701,6 +703,18 @@
           <a:bodyPr/>
           <a:lstStyle/>
           <a:p>
+            <a:r>
+              <a:rPr lang="en-US" dirty="0" err="1" smtClean="0"/>
+              <a:t>Obspy</a:t>
+            </a:r>
+            <a:r>
+              <a:rPr lang="en-US" dirty="0" smtClean="0"/>
+              <a:t> also has</a:t>
+            </a:r>
+            <a:r>
+              <a:rPr lang="en-US" baseline="0" dirty="0" smtClean="0"/>
+              <a:t> a library that does very similar things</a:t>
+            </a:r>
             <a:endParaRPr lang="en-US" dirty="0"/>
           </a:p>
         </p:txBody>
@@ -731,7 +745,7 @@
     </p:spTree>
     <p:extLst>
       <p:ext uri="{BB962C8B-B14F-4D97-AF65-F5344CB8AC3E}">
-        <p14:creationId xmlns:p14="http://schemas.microsoft.com/office/powerpoint/2010/main" val="2361138941"/>
+        <p14:creationId xmlns:p14="http://schemas.microsoft.com/office/powerpoint/2010/main" val="2548017675"/>
       </p:ext>
     </p:extLst>
   </p:cSld>
@@ -787,11 +801,11 @@
           <a:p>
             <a:r>
               <a:rPr lang="en-US" dirty="0" smtClean="0"/>
-              <a:t>You</a:t>
+              <a:t>Session</a:t>
             </a:r>
             <a:r>
               <a:rPr lang="en-US" baseline="0" dirty="0" smtClean="0"/>
-              <a:t> will need to explain that python is already installed for the short course, and that this slide is helpful for when they go back to their own computers.</a:t>
+              <a:t> about it later</a:t>
             </a:r>
             <a:endParaRPr lang="en-US" dirty="0"/>
           </a:p>
@@ -814,7 +828,7 @@
           <a:p>
             <a:fld id="{DDFB7C01-31B4-FB41-8747-A2427BA423C7}" type="slidenum">
               <a:rPr lang="en-US" smtClean="0"/>
-              <a:t>7</a:t>
+              <a:t>8</a:t>
             </a:fld>
             <a:endParaRPr lang="en-US"/>
           </a:p>
@@ -823,7 +837,7 @@
     </p:spTree>
     <p:extLst>
       <p:ext uri="{BB962C8B-B14F-4D97-AF65-F5344CB8AC3E}">
-        <p14:creationId xmlns:p14="http://schemas.microsoft.com/office/powerpoint/2010/main" val="3867431474"/>
+        <p14:creationId xmlns:p14="http://schemas.microsoft.com/office/powerpoint/2010/main" val="815735686"/>
       </p:ext>
     </p:extLst>
   </p:cSld>
@@ -878,12 +892,12 @@
           <a:lstStyle/>
           <a:p>
             <a:r>
-              <a:rPr lang="en-US" dirty="0" err="1" smtClean="0"/>
-              <a:t>Obspy</a:t>
-            </a:r>
-            <a:r>
               <a:rPr lang="en-US" dirty="0" smtClean="0"/>
-              <a:t> should </a:t>
+              <a:t>You</a:t>
+            </a:r>
+            <a:r>
+              <a:rPr lang="en-US" baseline="0" dirty="0" smtClean="0"/>
+              <a:t> will need to explain that python is already installed for the short course, and that this slide is helpful for when they go back to their own computers.</a:t>
             </a:r>
             <a:endParaRPr lang="en-US" dirty="0"/>
           </a:p>
@@ -906,7 +920,7 @@
           <a:p>
             <a:fld id="{DDFB7C01-31B4-FB41-8747-A2427BA423C7}" type="slidenum">
               <a:rPr lang="en-US" smtClean="0"/>
-              <a:t>8</a:t>
+              <a:t>9</a:t>
             </a:fld>
             <a:endParaRPr lang="en-US"/>
           </a:p>
@@ -915,7 +929,7 @@
     </p:spTree>
     <p:extLst>
       <p:ext uri="{BB962C8B-B14F-4D97-AF65-F5344CB8AC3E}">
-        <p14:creationId xmlns:p14="http://schemas.microsoft.com/office/powerpoint/2010/main" val="3683857318"/>
+        <p14:creationId xmlns:p14="http://schemas.microsoft.com/office/powerpoint/2010/main" val="3867431474"/>
       </p:ext>
     </p:extLst>
   </p:cSld>
@@ -970,8 +984,12 @@
           <a:lstStyle/>
           <a:p>
             <a:r>
+              <a:rPr lang="en-US" dirty="0" err="1" smtClean="0"/>
+              <a:t>Obspy</a:t>
+            </a:r>
+            <a:r>
               <a:rPr lang="en-US" dirty="0" smtClean="0"/>
-              <a:t>Same here</a:t>
+              <a:t> should </a:t>
             </a:r>
             <a:endParaRPr lang="en-US" dirty="0"/>
           </a:p>
@@ -994,7 +1012,7 @@
           <a:p>
             <a:fld id="{DDFB7C01-31B4-FB41-8747-A2427BA423C7}" type="slidenum">
               <a:rPr lang="en-US" smtClean="0"/>
-              <a:t>9</a:t>
+              <a:t>10</a:t>
             </a:fld>
             <a:endParaRPr lang="en-US"/>
           </a:p>
@@ -1003,7 +1021,7 @@
     </p:spTree>
     <p:extLst>
       <p:ext uri="{BB962C8B-B14F-4D97-AF65-F5344CB8AC3E}">
-        <p14:creationId xmlns:p14="http://schemas.microsoft.com/office/powerpoint/2010/main" val="1397184011"/>
+        <p14:creationId xmlns:p14="http://schemas.microsoft.com/office/powerpoint/2010/main" val="3683857318"/>
       </p:ext>
     </p:extLst>
   </p:cSld>
@@ -1057,6 +1075,10 @@
           <a:bodyPr/>
           <a:lstStyle/>
           <a:p>
+            <a:r>
+              <a:rPr lang="en-US" dirty="0" smtClean="0"/>
+              <a:t>Same here</a:t>
+            </a:r>
             <a:endParaRPr lang="en-US" dirty="0"/>
           </a:p>
         </p:txBody>
@@ -1078,7 +1100,91 @@
           <a:p>
             <a:fld id="{DDFB7C01-31B4-FB41-8747-A2427BA423C7}" type="slidenum">
               <a:rPr lang="en-US" smtClean="0"/>
-              <a:t>10</a:t>
+              <a:t>11</a:t>
+            </a:fld>
+            <a:endParaRPr lang="en-US"/>
+          </a:p>
+        </p:txBody>
+      </p:sp>
+    </p:spTree>
+    <p:extLst>
+      <p:ext uri="{BB962C8B-B14F-4D97-AF65-F5344CB8AC3E}">
+        <p14:creationId xmlns:p14="http://schemas.microsoft.com/office/powerpoint/2010/main" val="1397184011"/>
+      </p:ext>
+    </p:extLst>
+  </p:cSld>
+  <p:clrMapOvr>
+    <a:masterClrMapping/>
+  </p:clrMapOvr>
+</p:notes>
+</file>
+
+<file path=ppt/notesSlides/notesSlide8.xml><?xml version="1.0" encoding="utf-8"?>
+<p:notes xmlns:a="http://schemas.openxmlformats.org/drawingml/2006/main" xmlns:r="http://schemas.openxmlformats.org/officeDocument/2006/relationships" xmlns:p="http://schemas.openxmlformats.org/presentationml/2006/main">
+  <p:cSld>
+    <p:spTree>
+      <p:nvGrpSpPr>
+        <p:cNvPr id="1" name=""/>
+        <p:cNvGrpSpPr/>
+        <p:nvPr/>
+      </p:nvGrpSpPr>
+      <p:grpSpPr>
+        <a:xfrm>
+          <a:off x="0" y="0"/>
+          <a:ext cx="0" cy="0"/>
+          <a:chOff x="0" y="0"/>
+          <a:chExt cx="0" cy="0"/>
+        </a:xfrm>
+      </p:grpSpPr>
+      <p:sp>
+        <p:nvSpPr>
+          <p:cNvPr id="2" name="Slide Image Placeholder 1"/>
+          <p:cNvSpPr>
+            <a:spLocks noGrp="1" noRot="1" noChangeAspect="1"/>
+          </p:cNvSpPr>
+          <p:nvPr>
+            <p:ph type="sldImg"/>
+          </p:nvPr>
+        </p:nvSpPr>
+        <p:spPr/>
+      </p:sp>
+      <p:sp>
+        <p:nvSpPr>
+          <p:cNvPr id="3" name="Notes Placeholder 2"/>
+          <p:cNvSpPr>
+            <a:spLocks noGrp="1"/>
+          </p:cNvSpPr>
+          <p:nvPr>
+            <p:ph type="body" idx="1"/>
+          </p:nvPr>
+        </p:nvSpPr>
+        <p:spPr/>
+        <p:txBody>
+          <a:bodyPr/>
+          <a:lstStyle/>
+          <a:p>
+            <a:endParaRPr lang="en-US" dirty="0"/>
+          </a:p>
+        </p:txBody>
+      </p:sp>
+      <p:sp>
+        <p:nvSpPr>
+          <p:cNvPr id="4" name="Slide Number Placeholder 3"/>
+          <p:cNvSpPr>
+            <a:spLocks noGrp="1"/>
+          </p:cNvSpPr>
+          <p:nvPr>
+            <p:ph type="sldNum" sz="quarter" idx="10"/>
+          </p:nvPr>
+        </p:nvSpPr>
+        <p:spPr/>
+        <p:txBody>
+          <a:bodyPr/>
+          <a:lstStyle/>
+          <a:p>
+            <a:fld id="{DDFB7C01-31B4-FB41-8747-A2427BA423C7}" type="slidenum">
+              <a:rPr lang="en-US" smtClean="0"/>
+              <a:t>12</a:t>
             </a:fld>
             <a:endParaRPr lang="en-US"/>
           </a:p>
@@ -1278,7 +1384,7 @@
           <a:p>
             <a:fld id="{6EB5AF22-7E07-4B46-95AE-FB6A415E8F1F}" type="datetimeFigureOut">
               <a:rPr lang="en-US" smtClean="0"/>
-              <a:t>8/2/14</a:t>
+              <a:t>8/3/14</a:t>
             </a:fld>
             <a:endParaRPr lang="en-US"/>
           </a:p>
@@ -1448,7 +1554,7 @@
           <a:p>
             <a:fld id="{6EB5AF22-7E07-4B46-95AE-FB6A415E8F1F}" type="datetimeFigureOut">
               <a:rPr lang="en-US" smtClean="0"/>
-              <a:t>8/2/14</a:t>
+              <a:t>8/3/14</a:t>
             </a:fld>
             <a:endParaRPr lang="en-US"/>
           </a:p>
@@ -1628,7 +1734,7 @@
           <a:p>
             <a:fld id="{6EB5AF22-7E07-4B46-95AE-FB6A415E8F1F}" type="datetimeFigureOut">
               <a:rPr lang="en-US" smtClean="0"/>
-              <a:t>8/2/14</a:t>
+              <a:t>8/3/14</a:t>
             </a:fld>
             <a:endParaRPr lang="en-US"/>
           </a:p>
@@ -1798,7 +1904,7 @@
           <a:p>
             <a:fld id="{6EB5AF22-7E07-4B46-95AE-FB6A415E8F1F}" type="datetimeFigureOut">
               <a:rPr lang="en-US" smtClean="0"/>
-              <a:t>8/2/14</a:t>
+              <a:t>8/3/14</a:t>
             </a:fld>
             <a:endParaRPr lang="en-US"/>
           </a:p>
@@ -2044,7 +2150,7 @@
           <a:p>
             <a:fld id="{6EB5AF22-7E07-4B46-95AE-FB6A415E8F1F}" type="datetimeFigureOut">
               <a:rPr lang="en-US" smtClean="0"/>
-              <a:t>8/2/14</a:t>
+              <a:t>8/3/14</a:t>
             </a:fld>
             <a:endParaRPr lang="en-US"/>
           </a:p>
@@ -2332,7 +2438,7 @@
           <a:p>
             <a:fld id="{6EB5AF22-7E07-4B46-95AE-FB6A415E8F1F}" type="datetimeFigureOut">
               <a:rPr lang="en-US" smtClean="0"/>
-              <a:t>8/2/14</a:t>
+              <a:t>8/3/14</a:t>
             </a:fld>
             <a:endParaRPr lang="en-US"/>
           </a:p>
@@ -2754,7 +2860,7 @@
           <a:p>
             <a:fld id="{6EB5AF22-7E07-4B46-95AE-FB6A415E8F1F}" type="datetimeFigureOut">
               <a:rPr lang="en-US" smtClean="0"/>
-              <a:t>8/2/14</a:t>
+              <a:t>8/3/14</a:t>
             </a:fld>
             <a:endParaRPr lang="en-US"/>
           </a:p>
@@ -2872,7 +2978,7 @@
           <a:p>
             <a:fld id="{6EB5AF22-7E07-4B46-95AE-FB6A415E8F1F}" type="datetimeFigureOut">
               <a:rPr lang="en-US" smtClean="0"/>
-              <a:t>8/2/14</a:t>
+              <a:t>8/3/14</a:t>
             </a:fld>
             <a:endParaRPr lang="en-US"/>
           </a:p>
@@ -2967,7 +3073,7 @@
           <a:p>
             <a:fld id="{6EB5AF22-7E07-4B46-95AE-FB6A415E8F1F}" type="datetimeFigureOut">
               <a:rPr lang="en-US" smtClean="0"/>
-              <a:t>8/2/14</a:t>
+              <a:t>8/3/14</a:t>
             </a:fld>
             <a:endParaRPr lang="en-US"/>
           </a:p>
@@ -3244,7 +3350,7 @@
           <a:p>
             <a:fld id="{6EB5AF22-7E07-4B46-95AE-FB6A415E8F1F}" type="datetimeFigureOut">
               <a:rPr lang="en-US" smtClean="0"/>
-              <a:t>8/2/14</a:t>
+              <a:t>8/3/14</a:t>
             </a:fld>
             <a:endParaRPr lang="en-US"/>
           </a:p>
@@ -3497,7 +3603,7 @@
           <a:p>
             <a:fld id="{6EB5AF22-7E07-4B46-95AE-FB6A415E8F1F}" type="datetimeFigureOut">
               <a:rPr lang="en-US" smtClean="0"/>
-              <a:t>8/2/14</a:t>
+              <a:t>8/3/14</a:t>
             </a:fld>
             <a:endParaRPr lang="en-US"/>
           </a:p>
@@ -3710,7 +3816,7 @@
           <a:p>
             <a:fld id="{6EB5AF22-7E07-4B46-95AE-FB6A415E8F1F}" type="datetimeFigureOut">
               <a:rPr lang="en-US" smtClean="0"/>
-              <a:t>8/2/14</a:t>
+              <a:t>8/3/14</a:t>
             </a:fld>
             <a:endParaRPr lang="en-US"/>
           </a:p>
@@ -4197,6 +4303,213 @@
           <a:lstStyle/>
           <a:p>
             <a:r>
+              <a:rPr lang="en-US" dirty="0" err="1" smtClean="0"/>
+              <a:t>Obspy</a:t>
+            </a:r>
+            <a:endParaRPr lang="en-US" dirty="0"/>
+          </a:p>
+        </p:txBody>
+      </p:sp>
+      <p:sp>
+        <p:nvSpPr>
+          <p:cNvPr id="3" name="Content Placeholder 2"/>
+          <p:cNvSpPr>
+            <a:spLocks noGrp="1"/>
+          </p:cNvSpPr>
+          <p:nvPr>
+            <p:ph idx="1"/>
+          </p:nvPr>
+        </p:nvSpPr>
+        <p:spPr/>
+        <p:txBody>
+          <a:bodyPr/>
+          <a:lstStyle/>
+          <a:p>
+            <a:r>
+              <a:rPr lang="en-US" dirty="0" smtClean="0"/>
+              <a:t>Python library made for processing seismic data</a:t>
+            </a:r>
+          </a:p>
+          <a:p>
+            <a:r>
+              <a:rPr lang="en-US" dirty="0" smtClean="0"/>
+              <a:t>Very useful if you ever need to develop code for seismology research </a:t>
+            </a:r>
+          </a:p>
+          <a:p>
+            <a:r>
+              <a:rPr lang="en-US" dirty="0">
+                <a:hlinkClick r:id="rId3"/>
+              </a:rPr>
+              <a:t>https://github.com/obspy/obspy/</a:t>
+            </a:r>
+            <a:r>
+              <a:rPr lang="en-US" dirty="0" smtClean="0">
+                <a:hlinkClick r:id="rId3"/>
+              </a:rPr>
+              <a:t>wiki</a:t>
+            </a:r>
+            <a:r>
+              <a:rPr lang="en-US" dirty="0" smtClean="0"/>
+              <a:t> </a:t>
+            </a:r>
+            <a:endParaRPr lang="en-US" dirty="0"/>
+          </a:p>
+        </p:txBody>
+      </p:sp>
+    </p:spTree>
+    <p:extLst>
+      <p:ext uri="{BB962C8B-B14F-4D97-AF65-F5344CB8AC3E}">
+        <p14:creationId xmlns:p14="http://schemas.microsoft.com/office/powerpoint/2010/main" val="3393172696"/>
+      </p:ext>
+    </p:extLst>
+  </p:cSld>
+  <p:clrMapOvr>
+    <a:masterClrMapping/>
+  </p:clrMapOvr>
+</p:sld>
+</file>
+
+<file path=ppt/slides/slide11.xml><?xml version="1.0" encoding="utf-8"?>
+<p:sld xmlns:a="http://schemas.openxmlformats.org/drawingml/2006/main" xmlns:r="http://schemas.openxmlformats.org/officeDocument/2006/relationships" xmlns:p="http://schemas.openxmlformats.org/presentationml/2006/main">
+  <p:cSld>
+    <p:spTree>
+      <p:nvGrpSpPr>
+        <p:cNvPr id="1" name=""/>
+        <p:cNvGrpSpPr/>
+        <p:nvPr/>
+      </p:nvGrpSpPr>
+      <p:grpSpPr>
+        <a:xfrm>
+          <a:off x="0" y="0"/>
+          <a:ext cx="0" cy="0"/>
+          <a:chOff x="0" y="0"/>
+          <a:chExt cx="0" cy="0"/>
+        </a:xfrm>
+      </p:grpSpPr>
+      <p:sp>
+        <p:nvSpPr>
+          <p:cNvPr id="2" name="Title 1"/>
+          <p:cNvSpPr>
+            <a:spLocks noGrp="1"/>
+          </p:cNvSpPr>
+          <p:nvPr>
+            <p:ph type="title"/>
+          </p:nvPr>
+        </p:nvSpPr>
+        <p:spPr/>
+        <p:txBody>
+          <a:bodyPr/>
+          <a:lstStyle/>
+          <a:p>
+            <a:r>
+              <a:rPr lang="en-US" dirty="0" smtClean="0"/>
+              <a:t>Installing </a:t>
+            </a:r>
+            <a:r>
+              <a:rPr lang="en-US" dirty="0" err="1" smtClean="0"/>
+              <a:t>Obspy</a:t>
+            </a:r>
+            <a:r>
+              <a:rPr lang="en-US" smtClean="0"/>
+              <a:t> -- Tips </a:t>
+            </a:r>
+            <a:endParaRPr lang="en-US" dirty="0"/>
+          </a:p>
+        </p:txBody>
+      </p:sp>
+      <p:sp>
+        <p:nvSpPr>
+          <p:cNvPr id="3" name="Content Placeholder 2"/>
+          <p:cNvSpPr>
+            <a:spLocks noGrp="1"/>
+          </p:cNvSpPr>
+          <p:nvPr>
+            <p:ph idx="1"/>
+          </p:nvPr>
+        </p:nvSpPr>
+        <p:spPr/>
+        <p:txBody>
+          <a:bodyPr/>
+          <a:lstStyle/>
+          <a:p>
+            <a:r>
+              <a:rPr lang="en-US" dirty="0" err="1" smtClean="0"/>
+              <a:t>Macports</a:t>
+            </a:r>
+            <a:r>
+              <a:rPr lang="en-US" dirty="0" smtClean="0"/>
+              <a:t> seems the best way: </a:t>
+            </a:r>
+          </a:p>
+          <a:p>
+            <a:pPr lvl="1"/>
+            <a:r>
+              <a:rPr lang="en-US" dirty="0">
+                <a:hlinkClick r:id="rId3"/>
+              </a:rPr>
+              <a:t>https://github.com/obspy/obspy/wiki/Installation-on-Mac-OS-X-using-</a:t>
+            </a:r>
+            <a:r>
+              <a:rPr lang="en-US" dirty="0" smtClean="0">
+                <a:hlinkClick r:id="rId3"/>
+              </a:rPr>
+              <a:t>Macports</a:t>
+            </a:r>
+            <a:r>
+              <a:rPr lang="en-US" smtClean="0"/>
+              <a:t> </a:t>
+            </a:r>
+            <a:endParaRPr lang="en-US" dirty="0"/>
+          </a:p>
+        </p:txBody>
+      </p:sp>
+    </p:spTree>
+    <p:extLst>
+      <p:ext uri="{BB962C8B-B14F-4D97-AF65-F5344CB8AC3E}">
+        <p14:creationId xmlns:p14="http://schemas.microsoft.com/office/powerpoint/2010/main" val="2604491869"/>
+      </p:ext>
+    </p:extLst>
+  </p:cSld>
+  <p:clrMapOvr>
+    <a:masterClrMapping/>
+  </p:clrMapOvr>
+</p:sld>
+</file>
+
+<file path=ppt/slides/slide12.xml><?xml version="1.0" encoding="utf-8"?>
+<p:sld xmlns:a="http://schemas.openxmlformats.org/drawingml/2006/main" xmlns:r="http://schemas.openxmlformats.org/officeDocument/2006/relationships" xmlns:p="http://schemas.openxmlformats.org/presentationml/2006/main">
+  <p:cSld>
+    <p:spTree>
+      <p:nvGrpSpPr>
+        <p:cNvPr id="1" name=""/>
+        <p:cNvGrpSpPr/>
+        <p:nvPr/>
+      </p:nvGrpSpPr>
+      <p:grpSpPr>
+        <a:xfrm>
+          <a:off x="0" y="0"/>
+          <a:ext cx="0" cy="0"/>
+          <a:chOff x="0" y="0"/>
+          <a:chExt cx="0" cy="0"/>
+        </a:xfrm>
+      </p:grpSpPr>
+      <p:sp>
+        <p:nvSpPr>
+          <p:cNvPr id="2" name="Title 1"/>
+          <p:cNvSpPr>
+            <a:spLocks noGrp="1"/>
+          </p:cNvSpPr>
+          <p:nvPr>
+            <p:ph type="title"/>
+          </p:nvPr>
+        </p:nvSpPr>
+        <p:spPr/>
+        <p:txBody>
+          <a:bodyPr/>
+          <a:lstStyle/>
+          <a:p>
+            <a:r>
               <a:rPr lang="en-US" dirty="0" smtClean="0"/>
               <a:t>Uninstalling programs</a:t>
             </a:r>
@@ -4342,31 +4655,46 @@
         <p:spPr/>
         <p:txBody>
           <a:bodyPr>
-            <a:normAutofit fontScale="92500" lnSpcReduction="10000"/>
+            <a:normAutofit fontScale="85000" lnSpcReduction="20000"/>
           </a:bodyPr>
           <a:lstStyle/>
           <a:p>
             <a:r>
               <a:rPr lang="en-US" dirty="0" smtClean="0"/>
-              <a:t>Configuring </a:t>
+              <a:t>Configuring the UNIX system</a:t>
+            </a:r>
+          </a:p>
+          <a:p>
+            <a:r>
+              <a:rPr lang="en-US" dirty="0" err="1" smtClean="0"/>
+              <a:t>JEvalPlot</a:t>
             </a:r>
             <a:r>
               <a:rPr lang="en-US" dirty="0" smtClean="0"/>
-              <a:t>the UNIX </a:t>
-            </a:r>
-            <a:r>
-              <a:rPr lang="en-US" dirty="0" smtClean="0"/>
-              <a:t>system</a:t>
-            </a:r>
-          </a:p>
-          <a:p>
+              <a:t> </a:t>
+            </a:r>
+          </a:p>
+          <a:p>
+            <a:pPr lvl="1"/>
             <a:r>
               <a:rPr lang="en-US" dirty="0" smtClean="0"/>
               <a:t>Installing </a:t>
             </a:r>
             <a:r>
               <a:rPr lang="en-US" dirty="0" err="1" smtClean="0"/>
-              <a:t>JEvalresp</a:t>
+              <a:t>JEvalPlot</a:t>
+            </a:r>
+            <a:endParaRPr lang="en-US" dirty="0" smtClean="0"/>
+          </a:p>
+          <a:p>
+            <a:pPr lvl="1"/>
+            <a:r>
+              <a:rPr lang="en-US" dirty="0" smtClean="0"/>
+              <a:t>Using </a:t>
+            </a:r>
+            <a:r>
+              <a:rPr lang="en-US" dirty="0" err="1" smtClean="0"/>
+              <a:t>JEvalPlot</a:t>
             </a:r>
             <a:endParaRPr lang="en-US" dirty="0" smtClean="0"/>
           </a:p>
@@ -4375,7 +4703,6 @@
               <a:rPr lang="en-US" dirty="0" smtClean="0"/>
               <a:t>Python</a:t>
             </a:r>
-            <a:endParaRPr lang="en-US" dirty="0" smtClean="0"/>
           </a:p>
           <a:p>
             <a:pPr lvl="1"/>
@@ -4640,12 +4967,14 @@
         </p:nvSpPr>
         <p:spPr/>
         <p:txBody>
-          <a:bodyPr/>
-          <a:lstStyle/>
-          <a:p>
-            <a:r>
-              <a:rPr lang="en-US" dirty="0" smtClean="0"/>
-              <a:t>Adding a script to be sourced</a:t>
+          <a:bodyPr>
+            <a:normAutofit/>
+          </a:bodyPr>
+          <a:lstStyle/>
+          <a:p>
+            <a:r>
+              <a:rPr lang="en-US" dirty="0" err="1" smtClean="0"/>
+              <a:t>JEvalPlot</a:t>
             </a:r>
             <a:endParaRPr lang="en-US" dirty="0"/>
           </a:p>
@@ -4664,110 +4993,86 @@
         <p:spPr/>
         <p:txBody>
           <a:bodyPr>
-            <a:normAutofit fontScale="92500" lnSpcReduction="20000"/>
+            <a:normAutofit/>
           </a:bodyPr>
           <a:lstStyle/>
           <a:p>
             <a:r>
-              <a:rPr lang="en-US" dirty="0" smtClean="0"/>
-              <a:t>Download </a:t>
-            </a:r>
-            <a:r>
-              <a:rPr lang="en-US" dirty="0"/>
-              <a:t>this script: </a:t>
-            </a:r>
-            <a:r>
-              <a:rPr lang="en-US" dirty="0">
+              <a:rPr lang="pl-PL" dirty="0"/>
+              <a:t>Manual: </a:t>
+            </a:r>
+            <a:r>
+              <a:rPr lang="pl-PL" dirty="0">
                 <a:hlinkClick r:id="rId3"/>
               </a:rPr>
-              <a:t>https://github.com/lkloh/USArray/blob/master/InstallingCommonPrograms/</a:t>
-            </a:r>
-            <a:r>
-              <a:rPr lang="en-US" dirty="0" smtClean="0">
+              <a:t>http://www.isti.com/JPlotResp/</a:t>
+            </a:r>
+            <a:r>
+              <a:rPr lang="pl-PL" dirty="0" smtClean="0">
                 <a:hlinkClick r:id="rId3"/>
               </a:rPr>
-              <a:t>usarray_example.sh</a:t>
-            </a:r>
-            <a:endParaRPr lang="en-US" dirty="0" smtClean="0"/>
-          </a:p>
-          <a:p>
-            <a:pPr lvl="1"/>
-            <a:r>
-              <a:rPr lang="en-US" dirty="0" smtClean="0"/>
-              <a:t>Alternatively, type: </a:t>
-            </a:r>
-            <a:r>
-              <a:rPr lang="en-US" b="1" dirty="0" smtClean="0"/>
-              <a:t>touch </a:t>
-            </a:r>
-            <a:r>
-              <a:rPr lang="en-US" b="1" dirty="0" err="1" smtClean="0"/>
-              <a:t>usarray_example.sh</a:t>
-            </a:r>
-            <a:endParaRPr lang="en-US" b="1" dirty="0" smtClean="0"/>
-          </a:p>
-          <a:p>
-            <a:pPr lvl="1"/>
-            <a:r>
-              <a:rPr lang="en-US" dirty="0" smtClean="0"/>
-              <a:t>And write in it: </a:t>
-            </a:r>
-            <a:r>
-              <a:rPr lang="en-US" b="1" dirty="0" smtClean="0"/>
-              <a:t>echo ‘Hello World!’</a:t>
-            </a:r>
-            <a:endParaRPr lang="en-US" b="1" dirty="0" smtClean="0"/>
-          </a:p>
-          <a:p>
-            <a:r>
-              <a:rPr lang="en-US" dirty="0" smtClean="0"/>
-              <a:t>Put it somewhere on your computer</a:t>
-            </a:r>
-          </a:p>
-          <a:p>
-            <a:r>
-              <a:rPr lang="en-US" dirty="0" smtClean="0"/>
-              <a:t>Get the path to this script</a:t>
-            </a:r>
-          </a:p>
-          <a:p>
-            <a:pPr lvl="1"/>
-            <a:r>
-              <a:rPr lang="en-US" b="1" dirty="0" smtClean="0"/>
-              <a:t>&lt;path-to-file&gt;</a:t>
-            </a:r>
-          </a:p>
-          <a:p>
-            <a:r>
-              <a:rPr lang="en-US" dirty="0" smtClean="0"/>
-              <a:t>Inside your .</a:t>
-            </a:r>
-            <a:r>
-              <a:rPr lang="en-US" dirty="0" err="1" smtClean="0"/>
-              <a:t>bash_profile</a:t>
-            </a:r>
-            <a:r>
-              <a:rPr lang="en-US" dirty="0" smtClean="0"/>
-              <a:t> file, type</a:t>
-            </a:r>
-          </a:p>
-          <a:p>
-            <a:pPr lvl="1"/>
-            <a:r>
-              <a:rPr lang="en-US" b="1" dirty="0"/>
-              <a:t>e</a:t>
-            </a:r>
-            <a:r>
-              <a:rPr lang="en-US" b="1" dirty="0" smtClean="0"/>
-              <a:t>xport PATH=$PATH &lt;path-to-file&gt;</a:t>
-            </a:r>
+              <a:t>JPlotResp.html</a:t>
+            </a:r>
+            <a:r>
+              <a:rPr lang="pl-PL" dirty="0" smtClean="0"/>
+              <a:t> </a:t>
+            </a:r>
+          </a:p>
+          <a:p>
+            <a:r>
+              <a:rPr lang="pl-PL" dirty="0" err="1" smtClean="0"/>
+              <a:t>Fetches</a:t>
+            </a:r>
+            <a:r>
+              <a:rPr lang="pl-PL" dirty="0" smtClean="0"/>
+              <a:t> and </a:t>
+            </a:r>
+            <a:r>
+              <a:rPr lang="pl-PL" dirty="0" err="1" smtClean="0"/>
+              <a:t>plots</a:t>
+            </a:r>
+            <a:r>
+              <a:rPr lang="pl-PL" dirty="0" smtClean="0"/>
+              <a:t> data from web-service </a:t>
+            </a:r>
+            <a:r>
+              <a:rPr lang="pl-PL" dirty="0" err="1" smtClean="0"/>
+              <a:t>servers</a:t>
+            </a:r>
+            <a:endParaRPr lang="pl-PL" dirty="0" smtClean="0"/>
+          </a:p>
+          <a:p>
+            <a:r>
+              <a:rPr lang="pl-PL" dirty="0" err="1" smtClean="0"/>
+              <a:t>Plots</a:t>
+            </a:r>
+            <a:r>
+              <a:rPr lang="pl-PL" dirty="0" smtClean="0"/>
+              <a:t> the </a:t>
+            </a:r>
+            <a:r>
+              <a:rPr lang="pl-PL" dirty="0" err="1" smtClean="0"/>
+              <a:t>response</a:t>
+            </a:r>
+            <a:r>
+              <a:rPr lang="pl-PL" dirty="0" smtClean="0"/>
+              <a:t> </a:t>
+            </a:r>
+            <a:r>
+              <a:rPr lang="pl-PL" smtClean="0"/>
+              <a:t>information</a:t>
+            </a:r>
+            <a:endParaRPr lang="pl-PL" dirty="0"/>
+          </a:p>
+          <a:p>
+            <a:endParaRPr lang="pl-PL" dirty="0" smtClean="0"/>
           </a:p>
         </p:txBody>
       </p:sp>
     </p:spTree>
     <p:extLst>
       <p:ext uri="{BB962C8B-B14F-4D97-AF65-F5344CB8AC3E}">
-        <p14:creationId xmlns:p14="http://schemas.microsoft.com/office/powerpoint/2010/main" val="1135984778"/>
+        <p14:creationId xmlns:p14="http://schemas.microsoft.com/office/powerpoint/2010/main" val="3650221803"/>
       </p:ext>
     </p:extLst>
   </p:cSld>
@@ -4796,7 +5101,7 @@
       </p:grpSpPr>
       <p:sp>
         <p:nvSpPr>
-          <p:cNvPr id="2" name="Title 1"/>
+          <p:cNvPr id="6" name="Title 5"/>
           <p:cNvSpPr>
             <a:spLocks noGrp="1"/>
           </p:cNvSpPr>
@@ -4806,134 +5111,51 @@
         </p:nvSpPr>
         <p:spPr/>
         <p:txBody>
-          <a:bodyPr>
-            <a:normAutofit/>
-          </a:bodyPr>
+          <a:bodyPr/>
           <a:lstStyle/>
           <a:p>
             <a:r>
               <a:rPr lang="en-US" dirty="0" smtClean="0"/>
-              <a:t>Installing </a:t>
-            </a:r>
-            <a:r>
-              <a:rPr lang="en-US" dirty="0" err="1" smtClean="0"/>
-              <a:t>JEvalResp</a:t>
+              <a:t>User interface</a:t>
             </a:r>
             <a:endParaRPr lang="en-US" dirty="0"/>
           </a:p>
         </p:txBody>
       </p:sp>
-      <p:sp>
-        <p:nvSpPr>
-          <p:cNvPr id="3" name="Content Placeholder 2"/>
-          <p:cNvSpPr>
-            <a:spLocks noGrp="1"/>
-          </p:cNvSpPr>
-          <p:nvPr>
-            <p:ph idx="1"/>
-          </p:nvPr>
-        </p:nvSpPr>
-        <p:spPr/>
-        <p:txBody>
-          <a:bodyPr>
-            <a:normAutofit fontScale="92500"/>
-          </a:bodyPr>
-          <a:lstStyle/>
-          <a:p>
-            <a:r>
-              <a:rPr lang="en-US" dirty="0" smtClean="0"/>
-              <a:t>Java version of </a:t>
-            </a:r>
-            <a:r>
-              <a:rPr lang="en-US" dirty="0" err="1" smtClean="0"/>
-              <a:t>evalresp</a:t>
-            </a:r>
-            <a:r>
-              <a:rPr lang="en-US" dirty="0" smtClean="0"/>
-              <a:t> program</a:t>
-            </a:r>
-          </a:p>
-          <a:p>
-            <a:r>
-              <a:rPr lang="en-US" dirty="0" smtClean="0"/>
-              <a:t>Used to calculate complex spectral response/frequency-amplitude-phase response for a specified station/set of stations</a:t>
-            </a:r>
-          </a:p>
-          <a:p>
-            <a:r>
-              <a:rPr lang="en-US" dirty="0" smtClean="0"/>
-              <a:t>Manual: </a:t>
-            </a:r>
-            <a:r>
-              <a:rPr lang="pl-PL" dirty="0">
-                <a:hlinkClick r:id="rId2"/>
-              </a:rPr>
-              <a:t>http://www.isti.com/JEvalResp/</a:t>
-            </a:r>
-            <a:r>
-              <a:rPr lang="pl-PL" dirty="0" smtClean="0">
-                <a:hlinkClick r:id="rId2"/>
-              </a:rPr>
-              <a:t>JEvalResp.html</a:t>
-            </a:r>
-            <a:r>
-              <a:rPr lang="pl-PL" dirty="0" smtClean="0"/>
-              <a:t> </a:t>
-            </a:r>
-          </a:p>
-          <a:p>
-            <a:r>
-              <a:rPr lang="en-US" dirty="0" smtClean="0"/>
-              <a:t>C</a:t>
-            </a:r>
-            <a:r>
-              <a:rPr lang="pl-PL" dirty="0" err="1" smtClean="0"/>
-              <a:t>orresponding</a:t>
-            </a:r>
-            <a:r>
-              <a:rPr lang="pl-PL" dirty="0" smtClean="0"/>
-              <a:t> </a:t>
-            </a:r>
-            <a:r>
-              <a:rPr lang="pl-PL" dirty="0" err="1" smtClean="0"/>
-              <a:t>obspy</a:t>
-            </a:r>
-            <a:r>
-              <a:rPr lang="pl-PL" dirty="0" smtClean="0"/>
-              <a:t> </a:t>
-            </a:r>
-            <a:r>
-              <a:rPr lang="pl-PL" dirty="0" err="1" smtClean="0"/>
-              <a:t>package</a:t>
-            </a:r>
-            <a:r>
-              <a:rPr lang="pl-PL" dirty="0" smtClean="0"/>
-              <a:t>: </a:t>
-            </a:r>
-            <a:r>
-              <a:rPr lang="fr-FR" dirty="0">
-                <a:hlinkClick r:id="rId3"/>
-              </a:rPr>
-              <a:t>http://docs.obspy.org/packages/autogen/</a:t>
-            </a:r>
-            <a:r>
-              <a:rPr lang="fr-FR" dirty="0" smtClean="0">
-                <a:hlinkClick r:id="rId3"/>
-              </a:rPr>
-              <a:t>obspy.iris.client.Client.evalresp.html</a:t>
-            </a:r>
-            <a:r>
-              <a:rPr lang="fr-FR" dirty="0" smtClean="0"/>
-              <a:t> </a:t>
-            </a:r>
-            <a:endParaRPr lang="en-US" dirty="0"/>
-          </a:p>
-        </p:txBody>
-      </p:sp>
+      <p:pic>
+        <p:nvPicPr>
+          <p:cNvPr id="2" name="Picture 1" descr="Screen Shot 2014-08-03 at 5.59.18 PM.png"/>
+          <p:cNvPicPr>
+            <a:picLocks noChangeAspect="1"/>
+          </p:cNvPicPr>
+          <p:nvPr/>
+        </p:nvPicPr>
+        <p:blipFill>
+          <a:blip r:embed="rId2">
+            <a:extLst>
+              <a:ext uri="{28A0092B-C50C-407E-A947-70E740481C1C}">
+                <a14:useLocalDpi xmlns:a14="http://schemas.microsoft.com/office/drawing/2010/main" val="0"/>
+              </a:ext>
+            </a:extLst>
+          </a:blip>
+          <a:stretch>
+            <a:fillRect/>
+          </a:stretch>
+        </p:blipFill>
+        <p:spPr>
+          <a:xfrm>
+            <a:off x="1075463" y="1417638"/>
+            <a:ext cx="7351561" cy="5096792"/>
+          </a:xfrm>
+          <a:prstGeom prst="rect">
+            <a:avLst/>
+          </a:prstGeom>
+        </p:spPr>
+      </p:pic>
     </p:spTree>
     <p:extLst>
       <p:ext uri="{BB962C8B-B14F-4D97-AF65-F5344CB8AC3E}">
-        <p14:creationId xmlns:p14="http://schemas.microsoft.com/office/powerpoint/2010/main" val="3650221803"/>
+        <p14:creationId xmlns:p14="http://schemas.microsoft.com/office/powerpoint/2010/main" val="1640256687"/>
       </p:ext>
     </p:extLst>
   </p:cSld>
@@ -4970,70 +5192,58 @@
             <p:ph type="title"/>
           </p:nvPr>
         </p:nvSpPr>
-        <p:spPr/>
+        <p:spPr>
+          <a:xfrm>
+            <a:off x="596882" y="8358"/>
+            <a:ext cx="8229600" cy="1143000"/>
+          </a:xfrm>
+        </p:spPr>
         <p:txBody>
           <a:bodyPr/>
           <a:lstStyle/>
           <a:p>
             <a:r>
               <a:rPr lang="en-US" dirty="0" smtClean="0"/>
-              <a:t>Python</a:t>
+              <a:t>Response plot</a:t>
             </a:r>
             <a:endParaRPr lang="en-US" dirty="0"/>
           </a:p>
         </p:txBody>
       </p:sp>
-      <p:sp>
-        <p:nvSpPr>
-          <p:cNvPr id="3" name="Content Placeholder 2"/>
-          <p:cNvSpPr>
-            <a:spLocks noGrp="1"/>
-          </p:cNvSpPr>
-          <p:nvPr>
-            <p:ph idx="1"/>
-          </p:nvPr>
-        </p:nvSpPr>
-        <p:spPr/>
-        <p:txBody>
-          <a:bodyPr/>
-          <a:lstStyle/>
-          <a:p>
-            <a:r>
-              <a:rPr lang="en-US" dirty="0" smtClean="0"/>
-              <a:t>General purpose language</a:t>
-            </a:r>
-          </a:p>
-          <a:p>
-            <a:r>
-              <a:rPr lang="en-US" dirty="0" smtClean="0"/>
-              <a:t>High-level</a:t>
-            </a:r>
-          </a:p>
-          <a:p>
-            <a:r>
-              <a:rPr lang="en-US" dirty="0" smtClean="0"/>
-              <a:t>Commonly used for teaching intro CS classes </a:t>
-            </a:r>
-          </a:p>
-          <a:p>
-            <a:r>
-              <a:rPr lang="en-US" dirty="0" smtClean="0"/>
-              <a:t>Open source</a:t>
-            </a:r>
-          </a:p>
-          <a:p>
-            <a:r>
-              <a:rPr lang="en-US" dirty="0" smtClean="0"/>
-              <a:t>Scripting allowed </a:t>
-            </a:r>
-            <a:endParaRPr lang="en-US" dirty="0"/>
-          </a:p>
-        </p:txBody>
-      </p:sp>
+      <p:pic>
+        <p:nvPicPr>
+          <p:cNvPr id="3" name="Picture 2" descr="Screen Shot 2014-08-03 at 5.59.12 PM.png"/>
+          <p:cNvPicPr>
+            <a:picLocks noChangeAspect="1"/>
+          </p:cNvPicPr>
+          <p:nvPr/>
+        </p:nvPicPr>
+        <p:blipFill>
+          <a:blip r:embed="rId2">
+            <a:extLst>
+              <a:ext uri="{28A0092B-C50C-407E-A947-70E740481C1C}">
+                <a14:useLocalDpi xmlns:a14="http://schemas.microsoft.com/office/drawing/2010/main" val="0"/>
+              </a:ext>
+            </a:extLst>
+          </a:blip>
+          <a:stretch>
+            <a:fillRect/>
+          </a:stretch>
+        </p:blipFill>
+        <p:spPr>
+          <a:xfrm>
+            <a:off x="501882" y="1062386"/>
+            <a:ext cx="8170962" cy="5711584"/>
+          </a:xfrm>
+          <a:prstGeom prst="rect">
+            <a:avLst/>
+          </a:prstGeom>
+        </p:spPr>
+      </p:pic>
     </p:spTree>
     <p:extLst>
       <p:ext uri="{BB962C8B-B14F-4D97-AF65-F5344CB8AC3E}">
-        <p14:creationId xmlns:p14="http://schemas.microsoft.com/office/powerpoint/2010/main" val="2560964455"/>
+        <p14:creationId xmlns:p14="http://schemas.microsoft.com/office/powerpoint/2010/main" val="704572800"/>
       </p:ext>
     </p:extLst>
   </p:cSld>
@@ -5072,12 +5282,14 @@
         </p:nvSpPr>
         <p:spPr/>
         <p:txBody>
-          <a:bodyPr/>
+          <a:bodyPr>
+            <a:normAutofit fontScale="90000"/>
+          </a:bodyPr>
           <a:lstStyle/>
           <a:p>
             <a:r>
               <a:rPr lang="en-US" dirty="0" smtClean="0"/>
-              <a:t>Installing Python -- Tips</a:t>
+              <a:t>Links to other IRIS Software packages</a:t>
             </a:r>
             <a:endParaRPr lang="en-US" dirty="0"/>
           </a:p>
@@ -5099,14 +5311,25 @@
           <a:lstStyle/>
           <a:p>
             <a:r>
-              <a:rPr lang="en-US" dirty="0"/>
-              <a:t>Easy way: </a:t>
-            </a:r>
+              <a:rPr lang="en-US" dirty="0">
+                <a:hlinkClick r:id="rId2"/>
+              </a:rPr>
+              <a:t>http://www.iris.edu/ds/nodes/dmc/software</a:t>
+            </a:r>
+            <a:r>
+              <a:rPr lang="en-US" dirty="0" smtClean="0">
+                <a:hlinkClick r:id="rId2"/>
+              </a:rPr>
+              <a:t>/</a:t>
+            </a:r>
+            <a:endParaRPr lang="en-US" dirty="0" smtClean="0"/>
+          </a:p>
+          <a:p>
             <a:r>
               <a:rPr lang="en-US" dirty="0">
                 <a:hlinkClick r:id="rId3"/>
               </a:rPr>
-              <a:t>https://store.enthought.com/downloads</a:t>
+              <a:t>https://seiscode.iris.washington.edu</a:t>
             </a:r>
             <a:r>
               <a:rPr lang="en-US" dirty="0" smtClean="0">
@@ -5116,44 +5339,11 @@
             </a:r>
             <a:r>
               <a:rPr lang="en-US" dirty="0" smtClean="0"/>
-              <a:t> </a:t>
+              <a:t>  </a:t>
             </a:r>
             <a:endParaRPr lang="en-US" dirty="0"/>
           </a:p>
           <a:p>
-            <a:r>
-              <a:rPr lang="en-US" dirty="0" smtClean="0"/>
-              <a:t>Hard </a:t>
-            </a:r>
-            <a:r>
-              <a:rPr lang="en-US" dirty="0" err="1" smtClean="0"/>
-              <a:t>way:</a:t>
-            </a:r>
-            <a:r>
-              <a:rPr lang="en-US" dirty="0" err="1" smtClean="0">
-                <a:hlinkClick r:id="rId4"/>
-              </a:rPr>
-              <a:t>http</a:t>
-            </a:r>
-            <a:r>
-              <a:rPr lang="en-US" dirty="0">
-                <a:hlinkClick r:id="rId4"/>
-              </a:rPr>
-              <a:t>://aimbat.readthedocs.org/en/latest/docfiles/</a:t>
-            </a:r>
-            <a:r>
-              <a:rPr lang="en-US" dirty="0" smtClean="0">
-                <a:hlinkClick r:id="rId4"/>
-              </a:rPr>
-              <a:t>install_dependencies.html</a:t>
-            </a:r>
-            <a:endParaRPr lang="en-US" dirty="0" smtClean="0"/>
-          </a:p>
-          <a:p>
-            <a:r>
-              <a:rPr lang="en-US" dirty="0" smtClean="0"/>
-              <a:t>Note: Python is already installed on the cluster computers</a:t>
-            </a:r>
             <a:endParaRPr lang="en-US" dirty="0"/>
           </a:p>
         </p:txBody>
@@ -5161,7 +5351,7 @@
     </p:spTree>
     <p:extLst>
       <p:ext uri="{BB962C8B-B14F-4D97-AF65-F5344CB8AC3E}">
-        <p14:creationId xmlns:p14="http://schemas.microsoft.com/office/powerpoint/2010/main" val="2707125529"/>
+        <p14:creationId xmlns:p14="http://schemas.microsoft.com/office/powerpoint/2010/main" val="4182042374"/>
       </p:ext>
     </p:extLst>
   </p:cSld>
@@ -5204,8 +5394,8 @@
           <a:lstStyle/>
           <a:p>
             <a:r>
-              <a:rPr lang="en-US" dirty="0" err="1" smtClean="0"/>
-              <a:t>Obspy</a:t>
+              <a:rPr lang="en-US" dirty="0" smtClean="0"/>
+              <a:t>Python</a:t>
             </a:r>
             <a:endParaRPr lang="en-US" dirty="0"/>
           </a:p>
@@ -5228,31 +5418,31 @@
           <a:p>
             <a:r>
               <a:rPr lang="en-US" dirty="0" smtClean="0"/>
-              <a:t>Python library made for processing seismic data</a:t>
+              <a:t>General purpose language</a:t>
             </a:r>
           </a:p>
           <a:p>
             <a:r>
               <a:rPr lang="en-US" dirty="0" smtClean="0"/>
-              <a:t>Very useful if you ever need to develop code for seismology research </a:t>
-            </a:r>
-          </a:p>
-          <a:p>
-            <a:r>
-              <a:rPr lang="en-US" dirty="0">
-                <a:hlinkClick r:id="rId3"/>
-              </a:rPr>
-              <a:t>https://github.com/obspy/obspy/</a:t>
-            </a:r>
-            <a:r>
-              <a:rPr lang="en-US" dirty="0" smtClean="0">
-                <a:hlinkClick r:id="rId3"/>
-              </a:rPr>
-              <a:t>wiki</a:t>
-            </a:r>
+              <a:t>High-level</a:t>
+            </a:r>
+          </a:p>
+          <a:p>
             <a:r>
               <a:rPr lang="en-US" dirty="0" smtClean="0"/>
-              <a:t> </a:t>
+              <a:t>Commonly used for teaching intro CS classes </a:t>
+            </a:r>
+          </a:p>
+          <a:p>
+            <a:r>
+              <a:rPr lang="en-US" dirty="0" smtClean="0"/>
+              <a:t>Open source</a:t>
+            </a:r>
+          </a:p>
+          <a:p>
+            <a:r>
+              <a:rPr lang="en-US" dirty="0" smtClean="0"/>
+              <a:t>Scripting allowed </a:t>
             </a:r>
             <a:endParaRPr lang="en-US" dirty="0"/>
           </a:p>
@@ -5261,7 +5451,7 @@
     </p:spTree>
     <p:extLst>
       <p:ext uri="{BB962C8B-B14F-4D97-AF65-F5344CB8AC3E}">
-        <p14:creationId xmlns:p14="http://schemas.microsoft.com/office/powerpoint/2010/main" val="3393172696"/>
+        <p14:creationId xmlns:p14="http://schemas.microsoft.com/office/powerpoint/2010/main" val="2560964455"/>
       </p:ext>
     </p:extLst>
   </p:cSld>
@@ -5305,15 +5495,7 @@
           <a:p>
             <a:r>
               <a:rPr lang="en-US" dirty="0" smtClean="0"/>
-              <a:t>Installing </a:t>
-            </a:r>
-            <a:r>
-              <a:rPr lang="en-US" dirty="0" err="1" smtClean="0"/>
-              <a:t>Obspy</a:t>
-            </a:r>
-            <a:r>
-              <a:rPr lang="en-US" smtClean="0"/>
-              <a:t> -- Tips </a:t>
+              <a:t>Installing Python -- Tips</a:t>
             </a:r>
             <a:endParaRPr lang="en-US" dirty="0"/>
           </a:p>
@@ -5335,31 +5517,60 @@
           <a:lstStyle/>
           <a:p>
             <a:r>
-              <a:rPr lang="en-US" dirty="0" err="1" smtClean="0"/>
-              <a:t>Macports</a:t>
-            </a:r>
-            <a:r>
-              <a:rPr lang="en-US" dirty="0" smtClean="0"/>
-              <a:t> seems the best way: </a:t>
-            </a:r>
-          </a:p>
-          <a:p>
-            <a:pPr lvl="1"/>
+              <a:rPr lang="en-US" dirty="0"/>
+              <a:t>Easy way: </a:t>
+            </a:r>
             <a:r>
               <a:rPr lang="en-US" dirty="0">
                 <a:hlinkClick r:id="rId3"/>
               </a:rPr>
-              <a:t>https://github.com/obspy/obspy/wiki/Installation-on-Mac-OS-X-using-</a:t>
+              <a:t>https://store.enthought.com/downloads</a:t>
             </a:r>
             <a:r>
               <a:rPr lang="en-US" dirty="0" smtClean="0">
                 <a:hlinkClick r:id="rId3"/>
               </a:rPr>
-              <a:t>Macports</a:t>
-            </a:r>
-            <a:r>
-              <a:rPr lang="en-US" smtClean="0"/>
+              <a:t>/</a:t>
+            </a:r>
+            <a:r>
+              <a:rPr lang="en-US" dirty="0" smtClean="0"/>
               <a:t> </a:t>
+            </a:r>
+            <a:endParaRPr lang="en-US" dirty="0"/>
+          </a:p>
+          <a:p>
+            <a:r>
+              <a:rPr lang="en-US" dirty="0" smtClean="0"/>
+              <a:t>Hard </a:t>
+            </a:r>
+            <a:r>
+              <a:rPr lang="en-US" dirty="0" err="1" smtClean="0"/>
+              <a:t>way:</a:t>
+            </a:r>
+            <a:r>
+              <a:rPr lang="en-US" dirty="0" err="1" smtClean="0">
+                <a:hlinkClick r:id="rId4"/>
+              </a:rPr>
+              <a:t>http</a:t>
+            </a:r>
+            <a:r>
+              <a:rPr lang="en-US" dirty="0">
+                <a:hlinkClick r:id="rId4"/>
+              </a:rPr>
+              <a:t>://aimbat.readthedocs.org/en/latest/docfiles/</a:t>
+            </a:r>
+            <a:r>
+              <a:rPr lang="en-US" dirty="0" smtClean="0">
+                <a:hlinkClick r:id="rId4"/>
+              </a:rPr>
+              <a:t>install_dependencies.html</a:t>
+            </a:r>
+            <a:endParaRPr lang="en-US" dirty="0" smtClean="0"/>
+          </a:p>
+          <a:p>
+            <a:r>
+              <a:rPr lang="en-US" dirty="0" smtClean="0"/>
+              <a:t>Note: Python is already installed on the cluster computers</a:t>
             </a:r>
             <a:endParaRPr lang="en-US" dirty="0"/>
           </a:p>
@@ -5368,7 +5579,7 @@
     </p:spTree>
     <p:extLst>
       <p:ext uri="{BB962C8B-B14F-4D97-AF65-F5344CB8AC3E}">
-        <p14:creationId xmlns:p14="http://schemas.microsoft.com/office/powerpoint/2010/main" val="2604491869"/>
+        <p14:creationId xmlns:p14="http://schemas.microsoft.com/office/powerpoint/2010/main" val="2707125529"/>
       </p:ext>
     </p:extLst>
   </p:cSld>

--- a/InstallingCommonPrograms/InstallingSoftware.pptx
+++ b/InstallingCommonPrograms/InstallingSoftware.pptx
@@ -5,7 +5,7 @@
     <p:sldMasterId id="2147483648" r:id="rId1"/>
   </p:sldMasterIdLst>
   <p:notesMasterIdLst>
-    <p:notesMasterId r:id="rId14"/>
+    <p:notesMasterId r:id="rId15"/>
   </p:notesMasterIdLst>
   <p:sldIdLst>
     <p:sldId id="256" r:id="rId2"/>
@@ -14,12 +14,13 @@
     <p:sldId id="268" r:id="rId5"/>
     <p:sldId id="270" r:id="rId6"/>
     <p:sldId id="271" r:id="rId7"/>
-    <p:sldId id="269" r:id="rId8"/>
+    <p:sldId id="272" r:id="rId8"/>
     <p:sldId id="258" r:id="rId9"/>
     <p:sldId id="264" r:id="rId10"/>
     <p:sldId id="266" r:id="rId11"/>
     <p:sldId id="259" r:id="rId12"/>
     <p:sldId id="260" r:id="rId13"/>
+    <p:sldId id="269" r:id="rId14"/>
   </p:sldIdLst>
   <p:sldSz cx="9144000" cy="6858000" type="screen4x3"/>
   <p:notesSz cx="6858000" cy="9144000"/>
@@ -203,7 +204,7 @@
           <a:p>
             <a:fld id="{C5B9BB02-6833-BD45-A5F8-3B4B56DEAEFD}" type="datetimeFigureOut">
               <a:rPr lang="en-US" smtClean="0"/>
-              <a:t>8/3/14</a:t>
+              <a:t>8/4/14</a:t>
             </a:fld>
             <a:endParaRPr lang="en-US"/>
           </a:p>
@@ -517,19 +518,15 @@
           <a:p>
             <a:r>
               <a:rPr lang="en-US" dirty="0" smtClean="0"/>
-              <a:t>I’m suggesting to replace the</a:t>
+              <a:t>Practicing</a:t>
             </a:r>
             <a:r>
               <a:rPr lang="en-US" baseline="0" dirty="0" smtClean="0"/>
-              <a:t> SAC part with something else that’s not already on the system, such as </a:t>
+              <a:t> with </a:t>
             </a:r>
             <a:r>
               <a:rPr lang="en-US" baseline="0" dirty="0" err="1" smtClean="0"/>
-              <a:t>JEvalresp</a:t>
-            </a:r>
-            <a:r>
-              <a:rPr lang="en-US" baseline="0" dirty="0" smtClean="0"/>
-              <a:t> (or another software downloadable from IRIS) – but I still need to check out the system.</a:t>
+              <a:t>JEvalPlot</a:t>
             </a:r>
             <a:endParaRPr lang="en-US" dirty="0"/>
           </a:p>
@@ -713,7 +710,39 @@
             </a:r>
             <a:r>
               <a:rPr lang="en-US" baseline="0" dirty="0" smtClean="0"/>
-              <a:t> a library that does very similar things</a:t>
+              <a:t> a library that does very similar </a:t>
+            </a:r>
+            <a:r>
+              <a:rPr lang="en-US" baseline="0" dirty="0" smtClean="0"/>
+              <a:t>things.</a:t>
+            </a:r>
+          </a:p>
+          <a:p>
+            <a:r>
+              <a:rPr lang="en-US" baseline="0" dirty="0" smtClean="0"/>
+              <a:t>Automatically installs </a:t>
+            </a:r>
+            <a:r>
+              <a:rPr lang="en-US" baseline="0" dirty="0" err="1" smtClean="0"/>
+              <a:t>JEvalResp</a:t>
+            </a:r>
+            <a:r>
+              <a:rPr lang="en-US" baseline="0" dirty="0" smtClean="0"/>
+              <a:t> as well, so by getting </a:t>
+            </a:r>
+            <a:r>
+              <a:rPr lang="en-US" baseline="0" dirty="0" err="1" smtClean="0"/>
+              <a:t>JEvalPlot</a:t>
+            </a:r>
+            <a:r>
+              <a:rPr lang="en-US" baseline="0" dirty="0" smtClean="0"/>
+              <a:t>, but get both </a:t>
+            </a:r>
+          </a:p>
+          <a:p>
+            <a:r>
+              <a:rPr lang="en-US" baseline="0" dirty="0" smtClean="0"/>
+              <a:t>Easy to install as it was made by software engineers, not grad students </a:t>
             </a:r>
             <a:endParaRPr lang="en-US" dirty="0"/>
           </a:p>
@@ -893,11 +922,15 @@
           <a:p>
             <a:r>
               <a:rPr lang="en-US" dirty="0" smtClean="0"/>
-              <a:t>You</a:t>
+              <a:t>P</a:t>
             </a:r>
             <a:r>
               <a:rPr lang="en-US" baseline="0" dirty="0" smtClean="0"/>
-              <a:t> will need to explain that python is already installed for the short course, and that this slide is helpful for when they go back to their own computers.</a:t>
+              <a:t>ython </a:t>
+            </a:r>
+            <a:r>
+              <a:rPr lang="en-US" baseline="0" dirty="0" smtClean="0"/>
+              <a:t>is already installed for the short course, and that this slide is helpful for when they go back to their own computers.</a:t>
             </a:r>
             <a:endParaRPr lang="en-US" dirty="0"/>
           </a:p>
@@ -1384,7 +1417,7 @@
           <a:p>
             <a:fld id="{6EB5AF22-7E07-4B46-95AE-FB6A415E8F1F}" type="datetimeFigureOut">
               <a:rPr lang="en-US" smtClean="0"/>
-              <a:t>8/3/14</a:t>
+              <a:t>8/4/14</a:t>
             </a:fld>
             <a:endParaRPr lang="en-US"/>
           </a:p>
@@ -1554,7 +1587,7 @@
           <a:p>
             <a:fld id="{6EB5AF22-7E07-4B46-95AE-FB6A415E8F1F}" type="datetimeFigureOut">
               <a:rPr lang="en-US" smtClean="0"/>
-              <a:t>8/3/14</a:t>
+              <a:t>8/4/14</a:t>
             </a:fld>
             <a:endParaRPr lang="en-US"/>
           </a:p>
@@ -1734,7 +1767,7 @@
           <a:p>
             <a:fld id="{6EB5AF22-7E07-4B46-95AE-FB6A415E8F1F}" type="datetimeFigureOut">
               <a:rPr lang="en-US" smtClean="0"/>
-              <a:t>8/3/14</a:t>
+              <a:t>8/4/14</a:t>
             </a:fld>
             <a:endParaRPr lang="en-US"/>
           </a:p>
@@ -1904,7 +1937,7 @@
           <a:p>
             <a:fld id="{6EB5AF22-7E07-4B46-95AE-FB6A415E8F1F}" type="datetimeFigureOut">
               <a:rPr lang="en-US" smtClean="0"/>
-              <a:t>8/3/14</a:t>
+              <a:t>8/4/14</a:t>
             </a:fld>
             <a:endParaRPr lang="en-US"/>
           </a:p>
@@ -2150,7 +2183,7 @@
           <a:p>
             <a:fld id="{6EB5AF22-7E07-4B46-95AE-FB6A415E8F1F}" type="datetimeFigureOut">
               <a:rPr lang="en-US" smtClean="0"/>
-              <a:t>8/3/14</a:t>
+              <a:t>8/4/14</a:t>
             </a:fld>
             <a:endParaRPr lang="en-US"/>
           </a:p>
@@ -2438,7 +2471,7 @@
           <a:p>
             <a:fld id="{6EB5AF22-7E07-4B46-95AE-FB6A415E8F1F}" type="datetimeFigureOut">
               <a:rPr lang="en-US" smtClean="0"/>
-              <a:t>8/3/14</a:t>
+              <a:t>8/4/14</a:t>
             </a:fld>
             <a:endParaRPr lang="en-US"/>
           </a:p>
@@ -2860,7 +2893,7 @@
           <a:p>
             <a:fld id="{6EB5AF22-7E07-4B46-95AE-FB6A415E8F1F}" type="datetimeFigureOut">
               <a:rPr lang="en-US" smtClean="0"/>
-              <a:t>8/3/14</a:t>
+              <a:t>8/4/14</a:t>
             </a:fld>
             <a:endParaRPr lang="en-US"/>
           </a:p>
@@ -2978,7 +3011,7 @@
           <a:p>
             <a:fld id="{6EB5AF22-7E07-4B46-95AE-FB6A415E8F1F}" type="datetimeFigureOut">
               <a:rPr lang="en-US" smtClean="0"/>
-              <a:t>8/3/14</a:t>
+              <a:t>8/4/14</a:t>
             </a:fld>
             <a:endParaRPr lang="en-US"/>
           </a:p>
@@ -3073,7 +3106,7 @@
           <a:p>
             <a:fld id="{6EB5AF22-7E07-4B46-95AE-FB6A415E8F1F}" type="datetimeFigureOut">
               <a:rPr lang="en-US" smtClean="0"/>
-              <a:t>8/3/14</a:t>
+              <a:t>8/4/14</a:t>
             </a:fld>
             <a:endParaRPr lang="en-US"/>
           </a:p>
@@ -3350,7 +3383,7 @@
           <a:p>
             <a:fld id="{6EB5AF22-7E07-4B46-95AE-FB6A415E8F1F}" type="datetimeFigureOut">
               <a:rPr lang="en-US" smtClean="0"/>
-              <a:t>8/3/14</a:t>
+              <a:t>8/4/14</a:t>
             </a:fld>
             <a:endParaRPr lang="en-US"/>
           </a:p>
@@ -3603,7 +3636,7 @@
           <a:p>
             <a:fld id="{6EB5AF22-7E07-4B46-95AE-FB6A415E8F1F}" type="datetimeFigureOut">
               <a:rPr lang="en-US" smtClean="0"/>
-              <a:t>8/3/14</a:t>
+              <a:t>8/4/14</a:t>
             </a:fld>
             <a:endParaRPr lang="en-US"/>
           </a:p>
@@ -3816,7 +3849,7 @@
           <a:p>
             <a:fld id="{6EB5AF22-7E07-4B46-95AE-FB6A415E8F1F}" type="datetimeFigureOut">
               <a:rPr lang="en-US" smtClean="0"/>
-              <a:t>8/3/14</a:t>
+              <a:t>8/4/14</a:t>
             </a:fld>
             <a:endParaRPr lang="en-US"/>
           </a:p>
@@ -4602,6 +4635,136 @@
 </p:sld>
 </file>
 
+<file path=ppt/slides/slide13.xml><?xml version="1.0" encoding="utf-8"?>
+<p:sld xmlns:a="http://schemas.openxmlformats.org/drawingml/2006/main" xmlns:r="http://schemas.openxmlformats.org/officeDocument/2006/relationships" xmlns:p="http://schemas.openxmlformats.org/presentationml/2006/main">
+  <p:cSld>
+    <p:spTree>
+      <p:nvGrpSpPr>
+        <p:cNvPr id="1" name=""/>
+        <p:cNvGrpSpPr/>
+        <p:nvPr/>
+      </p:nvGrpSpPr>
+      <p:grpSpPr>
+        <a:xfrm>
+          <a:off x="0" y="0"/>
+          <a:ext cx="0" cy="0"/>
+          <a:chOff x="0" y="0"/>
+          <a:chExt cx="0" cy="0"/>
+        </a:xfrm>
+      </p:grpSpPr>
+      <p:sp>
+        <p:nvSpPr>
+          <p:cNvPr id="2" name="Title 1"/>
+          <p:cNvSpPr>
+            <a:spLocks noGrp="1"/>
+          </p:cNvSpPr>
+          <p:nvPr>
+            <p:ph type="title"/>
+          </p:nvPr>
+        </p:nvSpPr>
+        <p:spPr/>
+        <p:txBody>
+          <a:bodyPr>
+            <a:normAutofit fontScale="90000"/>
+          </a:bodyPr>
+          <a:lstStyle/>
+          <a:p>
+            <a:r>
+              <a:rPr lang="en-US" dirty="0" smtClean="0"/>
+              <a:t>Links to other IRIS Software packages</a:t>
+            </a:r>
+            <a:endParaRPr lang="en-US" dirty="0"/>
+          </a:p>
+        </p:txBody>
+      </p:sp>
+      <p:sp>
+        <p:nvSpPr>
+          <p:cNvPr id="3" name="Content Placeholder 2"/>
+          <p:cNvSpPr>
+            <a:spLocks noGrp="1"/>
+          </p:cNvSpPr>
+          <p:nvPr>
+            <p:ph idx="1"/>
+          </p:nvPr>
+        </p:nvSpPr>
+        <p:spPr/>
+        <p:txBody>
+          <a:bodyPr/>
+          <a:lstStyle/>
+          <a:p>
+            <a:r>
+              <a:rPr lang="en-US" dirty="0">
+                <a:hlinkClick r:id="rId2"/>
+              </a:rPr>
+              <a:t>http://www.iris.edu/ds/nodes/dmc/software</a:t>
+            </a:r>
+            <a:r>
+              <a:rPr lang="en-US" dirty="0" smtClean="0">
+                <a:hlinkClick r:id="rId2"/>
+              </a:rPr>
+              <a:t>/</a:t>
+            </a:r>
+            <a:endParaRPr lang="en-US" dirty="0" smtClean="0"/>
+          </a:p>
+          <a:p>
+            <a:r>
+              <a:rPr lang="en-US" dirty="0">
+                <a:hlinkClick r:id="rId3"/>
+              </a:rPr>
+              <a:t>https://seiscode.iris.washington.edu</a:t>
+            </a:r>
+            <a:r>
+              <a:rPr lang="en-US" dirty="0" smtClean="0">
+                <a:hlinkClick r:id="rId3"/>
+              </a:rPr>
+              <a:t>/</a:t>
+            </a:r>
+            <a:r>
+              <a:rPr lang="en-US" dirty="0" smtClean="0"/>
+              <a:t>  </a:t>
+            </a:r>
+            <a:endParaRPr lang="en-US" dirty="0" smtClean="0"/>
+          </a:p>
+          <a:p>
+            <a:r>
+              <a:rPr lang="en-US" dirty="0" smtClean="0"/>
+              <a:t>Exercise: </a:t>
+            </a:r>
+          </a:p>
+          <a:p>
+            <a:pPr lvl="1"/>
+            <a:r>
+              <a:rPr lang="en-US"/>
+              <a:t>C</a:t>
+            </a:r>
+            <a:r>
+              <a:rPr lang="en-US" smtClean="0"/>
+              <a:t>hoose </a:t>
+            </a:r>
+            <a:r>
+              <a:rPr lang="en-US" dirty="0" smtClean="0"/>
+              <a:t>one an try and install/use it  </a:t>
+            </a:r>
+            <a:endParaRPr lang="en-US" dirty="0"/>
+          </a:p>
+          <a:p>
+            <a:endParaRPr lang="en-US" dirty="0"/>
+          </a:p>
+        </p:txBody>
+      </p:sp>
+    </p:spTree>
+    <p:extLst>
+      <p:ext uri="{BB962C8B-B14F-4D97-AF65-F5344CB8AC3E}">
+        <p14:creationId xmlns:p14="http://schemas.microsoft.com/office/powerpoint/2010/main" val="4182042374"/>
+      </p:ext>
+    </p:extLst>
+  </p:cSld>
+  <p:clrMapOvr>
+    <a:masterClrMapping/>
+  </p:clrMapOvr>
+</p:sld>
+</file>
+
 <file path=ppt/slides/slide2.xml><?xml version="1.0" encoding="utf-8"?>
 <p:sld xmlns:a="http://schemas.openxmlformats.org/drawingml/2006/main" xmlns:r="http://schemas.openxmlformats.org/officeDocument/2006/relationships" xmlns:p="http://schemas.openxmlformats.org/presentationml/2006/main">
   <p:cSld>
@@ -4827,7 +4990,9 @@
         </p:nvSpPr>
         <p:spPr/>
         <p:txBody>
-          <a:bodyPr/>
+          <a:bodyPr>
+            <a:normAutofit fontScale="92500" lnSpcReduction="10000"/>
+          </a:bodyPr>
           <a:lstStyle/>
           <a:p>
             <a:r>
@@ -4854,8 +5019,91 @@
             <a:pPr lvl="1"/>
             <a:r>
               <a:rPr lang="en-US" dirty="0" smtClean="0"/>
-              <a:t>set aliases</a:t>
-            </a:r>
+              <a:t>set </a:t>
+            </a:r>
+            <a:r>
+              <a:rPr lang="en-US" dirty="0" smtClean="0"/>
+              <a:t>aliases</a:t>
+            </a:r>
+          </a:p>
+          <a:p>
+            <a:pPr lvl="2"/>
+            <a:r>
+              <a:rPr lang="en-US" b="1" dirty="0" smtClean="0"/>
+              <a:t>Alias </a:t>
+            </a:r>
+            <a:r>
+              <a:rPr lang="en-US" b="1" dirty="0" err="1" smtClean="0"/>
+              <a:t>ll</a:t>
+            </a:r>
+            <a:r>
+              <a:rPr lang="en-US" b="1" dirty="0" smtClean="0"/>
+              <a:t> = ‘</a:t>
+            </a:r>
+            <a:r>
+              <a:rPr lang="en-US" b="1" dirty="0" err="1" smtClean="0"/>
+              <a:t>ls</a:t>
+            </a:r>
+            <a:r>
+              <a:rPr lang="en-US" b="1" dirty="0" smtClean="0"/>
+              <a:t> -a’ </a:t>
+            </a:r>
+            <a:r>
+              <a:rPr lang="en-US" dirty="0" smtClean="0"/>
+              <a:t>in </a:t>
+            </a:r>
+            <a:r>
+              <a:rPr lang="en-US" dirty="0" err="1" smtClean="0"/>
+              <a:t>bashrc</a:t>
+            </a:r>
+            <a:r>
+              <a:rPr lang="en-US" dirty="0" smtClean="0"/>
+              <a:t> file</a:t>
+            </a:r>
+          </a:p>
+          <a:p>
+            <a:pPr lvl="2"/>
+            <a:r>
+              <a:rPr lang="en-US" b="1" dirty="0" smtClean="0"/>
+              <a:t>Alias </a:t>
+            </a:r>
+            <a:r>
+              <a:rPr lang="en-US" b="1" dirty="0" err="1" smtClean="0"/>
+              <a:t>rmf</a:t>
+            </a:r>
+            <a:r>
+              <a:rPr lang="en-US" b="1" dirty="0" smtClean="0"/>
+              <a:t> = ‘</a:t>
+            </a:r>
+            <a:r>
+              <a:rPr lang="en-US" b="1" dirty="0" err="1" smtClean="0"/>
+              <a:t>rm</a:t>
+            </a:r>
+            <a:r>
+              <a:rPr lang="en-US" b="1" dirty="0" smtClean="0"/>
+              <a:t> -</a:t>
+            </a:r>
+            <a:r>
+              <a:rPr lang="en-US" b="1" dirty="0" err="1" smtClean="0"/>
+              <a:t>rf</a:t>
+            </a:r>
+            <a:r>
+              <a:rPr lang="en-US" b="1" dirty="0" smtClean="0"/>
+              <a:t>’</a:t>
+            </a:r>
+            <a:r>
+              <a:rPr lang="en-US" dirty="0" smtClean="0"/>
+              <a:t> in </a:t>
+            </a:r>
+            <a:r>
+              <a:rPr lang="en-US" dirty="0" err="1" smtClean="0"/>
+              <a:t>bashrc</a:t>
+            </a:r>
+            <a:r>
+              <a:rPr lang="en-US" dirty="0" smtClean="0"/>
+              <a:t> file</a:t>
+            </a:r>
+            <a:endParaRPr lang="en-US" dirty="0" smtClean="0"/>
           </a:p>
           <a:p>
             <a:pPr lvl="1"/>
@@ -5059,7 +5307,7 @@
               <a:t> </a:t>
             </a:r>
             <a:r>
-              <a:rPr lang="pl-PL" smtClean="0"/>
+              <a:rPr lang="pl-PL" dirty="0" err="1" smtClean="0"/>
               <a:t>information</a:t>
             </a:r>
             <a:endParaRPr lang="pl-PL" dirty="0"/>
@@ -5152,6 +5400,42 @@
           </a:prstGeom>
         </p:spPr>
       </p:pic>
+      <p:sp>
+        <p:nvSpPr>
+          <p:cNvPr id="3" name="TextBox 2"/>
+          <p:cNvSpPr txBox="1"/>
+          <p:nvPr/>
+        </p:nvSpPr>
+        <p:spPr>
+          <a:xfrm>
+            <a:off x="6666891" y="274638"/>
+            <a:ext cx="1760133" cy="646331"/>
+          </a:xfrm>
+          <a:prstGeom prst="rect">
+            <a:avLst/>
+          </a:prstGeom>
+          <a:noFill/>
+        </p:spPr>
+        <p:txBody>
+          <a:bodyPr wrap="square" rtlCol="0">
+            <a:spAutoFit/>
+          </a:bodyPr>
+          <a:lstStyle/>
+          <a:p>
+            <a:r>
+              <a:rPr lang="en-US" dirty="0" smtClean="0"/>
+              <a:t>Network: TA</a:t>
+            </a:r>
+          </a:p>
+          <a:p>
+            <a:r>
+              <a:rPr lang="en-US" dirty="0" smtClean="0"/>
+              <a:t>Station: US4A</a:t>
+            </a:r>
+            <a:endParaRPr lang="en-US" dirty="0"/>
+          </a:p>
+        </p:txBody>
+      </p:sp>
     </p:spTree>
     <p:extLst>
       <p:ext uri="{BB962C8B-B14F-4D97-AF65-F5344CB8AC3E}">
@@ -5282,14 +5566,12 @@
         </p:nvSpPr>
         <p:spPr/>
         <p:txBody>
-          <a:bodyPr>
-            <a:normAutofit fontScale="90000"/>
-          </a:bodyPr>
+          <a:bodyPr/>
           <a:lstStyle/>
           <a:p>
             <a:r>
               <a:rPr lang="en-US" dirty="0" smtClean="0"/>
-              <a:t>Links to other IRIS Software packages</a:t>
+              <a:t>Bug</a:t>
             </a:r>
             <a:endParaRPr lang="en-US" dirty="0"/>
           </a:p>
@@ -5311,39 +5593,9 @@
           <a:lstStyle/>
           <a:p>
             <a:r>
-              <a:rPr lang="en-US" dirty="0">
-                <a:hlinkClick r:id="rId2"/>
-              </a:rPr>
-              <a:t>http://www.iris.edu/ds/nodes/dmc/software</a:t>
-            </a:r>
-            <a:r>
-              <a:rPr lang="en-US" dirty="0" smtClean="0">
-                <a:hlinkClick r:id="rId2"/>
-              </a:rPr>
-              <a:t>/</a:t>
-            </a:r>
-            <a:endParaRPr lang="en-US" dirty="0" smtClean="0"/>
-          </a:p>
-          <a:p>
-            <a:r>
-              <a:rPr lang="en-US" dirty="0">
-                <a:hlinkClick r:id="rId3"/>
-              </a:rPr>
-              <a:t>https://seiscode.iris.washington.edu</a:t>
-            </a:r>
-            <a:r>
-              <a:rPr lang="en-US" dirty="0" smtClean="0">
-                <a:hlinkClick r:id="rId3"/>
-              </a:rPr>
-              <a:t>/</a:t>
-            </a:r>
-            <a:r>
               <a:rPr lang="en-US" dirty="0" smtClean="0"/>
-              <a:t>  </a:t>
-            </a:r>
-            <a:endParaRPr lang="en-US" dirty="0"/>
-          </a:p>
-          <a:p>
+              <a:t>What happens if you put ‘- -’ into the “Location” box? </a:t>
+            </a:r>
             <a:endParaRPr lang="en-US" dirty="0"/>
           </a:p>
         </p:txBody>
@@ -5351,7 +5603,7 @@
     </p:spTree>
     <p:extLst>
       <p:ext uri="{BB962C8B-B14F-4D97-AF65-F5344CB8AC3E}">
-        <p14:creationId xmlns:p14="http://schemas.microsoft.com/office/powerpoint/2010/main" val="4182042374"/>
+        <p14:creationId xmlns:p14="http://schemas.microsoft.com/office/powerpoint/2010/main" val="199060354"/>
       </p:ext>
     </p:extLst>
   </p:cSld>

--- a/InstallingCommonPrograms/InstallingSoftware.pptx
+++ b/InstallingCommonPrograms/InstallingSoftware.pptx
@@ -4734,16 +4734,12 @@
           <a:p>
             <a:pPr lvl="1"/>
             <a:r>
-              <a:rPr lang="en-US"/>
+              <a:rPr lang="en-US" dirty="0"/>
               <a:t>C</a:t>
             </a:r>
             <a:r>
-              <a:rPr lang="en-US" smtClean="0"/>
-              <a:t>hoose </a:t>
-            </a:r>
-            <a:r>
               <a:rPr lang="en-US" dirty="0" smtClean="0"/>
-              <a:t>one an try and install/use it  </a:t>
+              <a:t>hoose one an try and install/use it  </a:t>
             </a:r>
             <a:endParaRPr lang="en-US" dirty="0"/>
           </a:p>

--- a/InstallingCommonPrograms/InstallingSoftware.pptx
+++ b/InstallingCommonPrograms/InstallingSoftware.pptx
@@ -710,11 +710,7 @@
             </a:r>
             <a:r>
               <a:rPr lang="en-US" baseline="0" dirty="0" smtClean="0"/>
-              <a:t> a library that does very similar </a:t>
-            </a:r>
-            <a:r>
-              <a:rPr lang="en-US" baseline="0" dirty="0" smtClean="0"/>
-              <a:t>things.</a:t>
+              <a:t> a library that does very similar things.</a:t>
             </a:r>
           </a:p>
           <a:p>
@@ -926,11 +922,7 @@
             </a:r>
             <a:r>
               <a:rPr lang="en-US" baseline="0" dirty="0" smtClean="0"/>
-              <a:t>ython </a:t>
-            </a:r>
-            <a:r>
-              <a:rPr lang="en-US" baseline="0" dirty="0" smtClean="0"/>
-              <a:t>is already installed for the short course, and that this slide is helpful for when they go back to their own computers.</a:t>
+              <a:t>ython is already installed for the short course, and that this slide is helpful for when they go back to their own computers.</a:t>
             </a:r>
             <a:endParaRPr lang="en-US" dirty="0"/>
           </a:p>
@@ -1227,6 +1219,98 @@
     <p:extLst>
       <p:ext uri="{BB962C8B-B14F-4D97-AF65-F5344CB8AC3E}">
         <p14:creationId xmlns:p14="http://schemas.microsoft.com/office/powerpoint/2010/main" val="492324420"/>
+      </p:ext>
+    </p:extLst>
+  </p:cSld>
+  <p:clrMapOvr>
+    <a:masterClrMapping/>
+  </p:clrMapOvr>
+</p:notes>
+</file>
+
+<file path=ppt/notesSlides/notesSlide9.xml><?xml version="1.0" encoding="utf-8"?>
+<p:notes xmlns:a="http://schemas.openxmlformats.org/drawingml/2006/main" xmlns:r="http://schemas.openxmlformats.org/officeDocument/2006/relationships" xmlns:p="http://schemas.openxmlformats.org/presentationml/2006/main">
+  <p:cSld>
+    <p:spTree>
+      <p:nvGrpSpPr>
+        <p:cNvPr id="1" name=""/>
+        <p:cNvGrpSpPr/>
+        <p:nvPr/>
+      </p:nvGrpSpPr>
+      <p:grpSpPr>
+        <a:xfrm>
+          <a:off x="0" y="0"/>
+          <a:ext cx="0" cy="0"/>
+          <a:chOff x="0" y="0"/>
+          <a:chExt cx="0" cy="0"/>
+        </a:xfrm>
+      </p:grpSpPr>
+      <p:sp>
+        <p:nvSpPr>
+          <p:cNvPr id="2" name="Slide Image Placeholder 1"/>
+          <p:cNvSpPr>
+            <a:spLocks noGrp="1" noRot="1" noChangeAspect="1"/>
+          </p:cNvSpPr>
+          <p:nvPr>
+            <p:ph type="sldImg"/>
+          </p:nvPr>
+        </p:nvSpPr>
+        <p:spPr/>
+      </p:sp>
+      <p:sp>
+        <p:nvSpPr>
+          <p:cNvPr id="3" name="Notes Placeholder 2"/>
+          <p:cNvSpPr>
+            <a:spLocks noGrp="1"/>
+          </p:cNvSpPr>
+          <p:nvPr>
+            <p:ph type="body" idx="1"/>
+          </p:nvPr>
+        </p:nvSpPr>
+        <p:spPr/>
+        <p:txBody>
+          <a:bodyPr/>
+          <a:lstStyle/>
+          <a:p>
+            <a:r>
+              <a:rPr lang="en-US" dirty="0" smtClean="0"/>
+              <a:t>Too much time? </a:t>
+            </a:r>
+            <a:r>
+              <a:rPr lang="en-US" smtClean="0"/>
+              <a:t>Github</a:t>
+            </a:r>
+            <a:endParaRPr lang="en-US"/>
+          </a:p>
+        </p:txBody>
+      </p:sp>
+      <p:sp>
+        <p:nvSpPr>
+          <p:cNvPr id="4" name="Slide Number Placeholder 3"/>
+          <p:cNvSpPr>
+            <a:spLocks noGrp="1"/>
+          </p:cNvSpPr>
+          <p:nvPr>
+            <p:ph type="sldNum" sz="quarter" idx="10"/>
+          </p:nvPr>
+        </p:nvSpPr>
+        <p:spPr/>
+        <p:txBody>
+          <a:bodyPr/>
+          <a:lstStyle/>
+          <a:p>
+            <a:fld id="{DDFB7C01-31B4-FB41-8747-A2427BA423C7}" type="slidenum">
+              <a:rPr lang="en-US" smtClean="0"/>
+              <a:t>13</a:t>
+            </a:fld>
+            <a:endParaRPr lang="en-US"/>
+          </a:p>
+        </p:txBody>
+      </p:sp>
+    </p:spTree>
+    <p:extLst>
+      <p:ext uri="{BB962C8B-B14F-4D97-AF65-F5344CB8AC3E}">
+        <p14:creationId xmlns:p14="http://schemas.microsoft.com/office/powerpoint/2010/main" val="2296723580"/>
       </p:ext>
     </p:extLst>
   </p:cSld>
@@ -4694,24 +4778,9 @@
           <a:p>
             <a:r>
               <a:rPr lang="en-US" dirty="0">
-                <a:hlinkClick r:id="rId2"/>
+                <a:hlinkClick r:id="rId3"/>
               </a:rPr>
               <a:t>http://www.iris.edu/ds/nodes/dmc/software</a:t>
-            </a:r>
-            <a:r>
-              <a:rPr lang="en-US" dirty="0" smtClean="0">
-                <a:hlinkClick r:id="rId2"/>
-              </a:rPr>
-              <a:t>/</a:t>
-            </a:r>
-            <a:endParaRPr lang="en-US" dirty="0" smtClean="0"/>
-          </a:p>
-          <a:p>
-            <a:r>
-              <a:rPr lang="en-US" dirty="0">
-                <a:hlinkClick r:id="rId3"/>
-              </a:rPr>
-              <a:t>https://seiscode.iris.washington.edu</a:t>
             </a:r>
             <a:r>
               <a:rPr lang="en-US" dirty="0" smtClean="0">
@@ -4719,11 +4788,25 @@
               </a:rPr>
               <a:t>/</a:t>
             </a:r>
+            <a:endParaRPr lang="en-US" dirty="0" smtClean="0"/>
+          </a:p>
+          <a:p>
+            <a:r>
+              <a:rPr lang="en-US" dirty="0">
+                <a:hlinkClick r:id="rId4"/>
+              </a:rPr>
+              <a:t>https://seiscode.iris.washington.edu</a:t>
+            </a:r>
+            <a:r>
+              <a:rPr lang="en-US" dirty="0" smtClean="0">
+                <a:hlinkClick r:id="rId4"/>
+              </a:rPr>
+              <a:t>/</a:t>
+            </a:r>
             <a:r>
               <a:rPr lang="en-US" dirty="0" smtClean="0"/>
               <a:t>  </a:t>
             </a:r>
-            <a:endParaRPr lang="en-US" dirty="0" smtClean="0"/>
           </a:p>
           <a:p>
             <a:r>
@@ -5015,11 +5098,7 @@
             <a:pPr lvl="1"/>
             <a:r>
               <a:rPr lang="en-US" dirty="0" smtClean="0"/>
-              <a:t>set </a:t>
-            </a:r>
-            <a:r>
-              <a:rPr lang="en-US" dirty="0" smtClean="0"/>
-              <a:t>aliases</a:t>
+              <a:t>set aliases</a:t>
             </a:r>
           </a:p>
           <a:p>
@@ -5099,7 +5178,6 @@
               <a:rPr lang="en-US" dirty="0" smtClean="0"/>
               <a:t> file</a:t>
             </a:r>
-            <a:endParaRPr lang="en-US" dirty="0" smtClean="0"/>
           </a:p>
           <a:p>
             <a:pPr lvl="1"/>

--- a/InstallingCommonPrograms/InstallingSoftware.pptx
+++ b/InstallingCommonPrograms/InstallingSoftware.pptx
@@ -5,22 +5,24 @@
     <p:sldMasterId id="2147483648" r:id="rId1"/>
   </p:sldMasterIdLst>
   <p:notesMasterIdLst>
-    <p:notesMasterId r:id="rId15"/>
+    <p:notesMasterId r:id="rId17"/>
   </p:notesMasterIdLst>
   <p:sldIdLst>
     <p:sldId id="256" r:id="rId2"/>
-    <p:sldId id="263" r:id="rId3"/>
-    <p:sldId id="261" r:id="rId4"/>
-    <p:sldId id="268" r:id="rId5"/>
-    <p:sldId id="270" r:id="rId6"/>
-    <p:sldId id="271" r:id="rId7"/>
-    <p:sldId id="272" r:id="rId8"/>
-    <p:sldId id="258" r:id="rId9"/>
-    <p:sldId id="264" r:id="rId10"/>
-    <p:sldId id="266" r:id="rId11"/>
-    <p:sldId id="259" r:id="rId12"/>
-    <p:sldId id="260" r:id="rId13"/>
-    <p:sldId id="269" r:id="rId14"/>
+    <p:sldId id="272" r:id="rId3"/>
+    <p:sldId id="263" r:id="rId4"/>
+    <p:sldId id="261" r:id="rId5"/>
+    <p:sldId id="268" r:id="rId6"/>
+    <p:sldId id="270" r:id="rId7"/>
+    <p:sldId id="271" r:id="rId8"/>
+    <p:sldId id="274" r:id="rId9"/>
+    <p:sldId id="273" r:id="rId10"/>
+    <p:sldId id="269" r:id="rId11"/>
+    <p:sldId id="258" r:id="rId12"/>
+    <p:sldId id="264" r:id="rId13"/>
+    <p:sldId id="266" r:id="rId14"/>
+    <p:sldId id="259" r:id="rId15"/>
+    <p:sldId id="260" r:id="rId16"/>
   </p:sldIdLst>
   <p:sldSz cx="9144000" cy="6858000" type="screen4x3"/>
   <p:notesSz cx="6858000" cy="9144000"/>
@@ -518,15 +520,19 @@
           <a:p>
             <a:r>
               <a:rPr lang="en-US" dirty="0" smtClean="0"/>
-              <a:t>Practicing</a:t>
+              <a:t>I’m suggesting to replace the</a:t>
             </a:r>
             <a:r>
               <a:rPr lang="en-US" baseline="0" dirty="0" smtClean="0"/>
-              <a:t> with </a:t>
+              <a:t> SAC part with something else that’s not already on the system, such as </a:t>
             </a:r>
             <a:r>
               <a:rPr lang="en-US" baseline="0" dirty="0" err="1" smtClean="0"/>
-              <a:t>JEvalPlot</a:t>
+              <a:t>JEvalresp</a:t>
+            </a:r>
+            <a:r>
+              <a:rPr lang="en-US" baseline="0" dirty="0" smtClean="0"/>
+              <a:t> (or another software downloadable from IRIS) – but I still need to check out the system.</a:t>
             </a:r>
             <a:endParaRPr lang="en-US" dirty="0"/>
           </a:p>
@@ -549,7 +555,7 @@
           <a:p>
             <a:fld id="{DDFB7C01-31B4-FB41-8747-A2427BA423C7}" type="slidenum">
               <a:rPr lang="en-US" smtClean="0"/>
-              <a:t>2</a:t>
+              <a:t>3</a:t>
             </a:fld>
             <a:endParaRPr lang="en-US"/>
           </a:p>
@@ -637,7 +643,7 @@
           <a:p>
             <a:fld id="{DDFB7C01-31B4-FB41-8747-A2427BA423C7}" type="slidenum">
               <a:rPr lang="en-US" smtClean="0"/>
-              <a:t>3</a:t>
+              <a:t>4</a:t>
             </a:fld>
             <a:endParaRPr lang="en-US"/>
           </a:p>
@@ -710,35 +716,7 @@
             </a:r>
             <a:r>
               <a:rPr lang="en-US" baseline="0" dirty="0" smtClean="0"/>
-              <a:t> a library that does very similar things.</a:t>
-            </a:r>
-          </a:p>
-          <a:p>
-            <a:r>
-              <a:rPr lang="en-US" baseline="0" dirty="0" smtClean="0"/>
-              <a:t>Automatically installs </a:t>
-            </a:r>
-            <a:r>
-              <a:rPr lang="en-US" baseline="0" dirty="0" err="1" smtClean="0"/>
-              <a:t>JEvalResp</a:t>
-            </a:r>
-            <a:r>
-              <a:rPr lang="en-US" baseline="0" dirty="0" smtClean="0"/>
-              <a:t> as well, so by getting </a:t>
-            </a:r>
-            <a:r>
-              <a:rPr lang="en-US" baseline="0" dirty="0" err="1" smtClean="0"/>
-              <a:t>JEvalPlot</a:t>
-            </a:r>
-            <a:r>
-              <a:rPr lang="en-US" baseline="0" dirty="0" smtClean="0"/>
-              <a:t>, but get both </a:t>
-            </a:r>
-          </a:p>
-          <a:p>
-            <a:r>
-              <a:rPr lang="en-US" baseline="0" dirty="0" smtClean="0"/>
-              <a:t>Easy to install as it was made by software engineers, not grad students </a:t>
+              <a:t> a library that does very similar things</a:t>
             </a:r>
             <a:endParaRPr lang="en-US" dirty="0"/>
           </a:p>
@@ -761,7 +739,7 @@
           <a:p>
             <a:fld id="{DDFB7C01-31B4-FB41-8747-A2427BA423C7}" type="slidenum">
               <a:rPr lang="en-US" smtClean="0"/>
-              <a:t>4</a:t>
+              <a:t>5</a:t>
             </a:fld>
             <a:endParaRPr lang="en-US"/>
           </a:p>
@@ -853,7 +831,7 @@
           <a:p>
             <a:fld id="{DDFB7C01-31B4-FB41-8747-A2427BA423C7}" type="slidenum">
               <a:rPr lang="en-US" smtClean="0"/>
-              <a:t>8</a:t>
+              <a:t>11</a:t>
             </a:fld>
             <a:endParaRPr lang="en-US"/>
           </a:p>
@@ -918,11 +896,11 @@
           <a:p>
             <a:r>
               <a:rPr lang="en-US" dirty="0" smtClean="0"/>
-              <a:t>P</a:t>
+              <a:t>You</a:t>
             </a:r>
             <a:r>
               <a:rPr lang="en-US" baseline="0" dirty="0" smtClean="0"/>
-              <a:t>ython is already installed for the short course, and that this slide is helpful for when they go back to their own computers.</a:t>
+              <a:t> will need to explain that python is already installed for the short course, and that this slide is helpful for when they go back to their own computers.</a:t>
             </a:r>
             <a:endParaRPr lang="en-US" dirty="0"/>
           </a:p>
@@ -945,7 +923,7 @@
           <a:p>
             <a:fld id="{DDFB7C01-31B4-FB41-8747-A2427BA423C7}" type="slidenum">
               <a:rPr lang="en-US" smtClean="0"/>
-              <a:t>9</a:t>
+              <a:t>12</a:t>
             </a:fld>
             <a:endParaRPr lang="en-US"/>
           </a:p>
@@ -1037,7 +1015,7 @@
           <a:p>
             <a:fld id="{DDFB7C01-31B4-FB41-8747-A2427BA423C7}" type="slidenum">
               <a:rPr lang="en-US" smtClean="0"/>
-              <a:t>10</a:t>
+              <a:t>13</a:t>
             </a:fld>
             <a:endParaRPr lang="en-US"/>
           </a:p>
@@ -1125,7 +1103,7 @@
           <a:p>
             <a:fld id="{DDFB7C01-31B4-FB41-8747-A2427BA423C7}" type="slidenum">
               <a:rPr lang="en-US" smtClean="0"/>
-              <a:t>11</a:t>
+              <a:t>14</a:t>
             </a:fld>
             <a:endParaRPr lang="en-US"/>
           </a:p>
@@ -1209,7 +1187,7 @@
           <a:p>
             <a:fld id="{DDFB7C01-31B4-FB41-8747-A2427BA423C7}" type="slidenum">
               <a:rPr lang="en-US" smtClean="0"/>
-              <a:t>12</a:t>
+              <a:t>15</a:t>
             </a:fld>
             <a:endParaRPr lang="en-US"/>
           </a:p>
@@ -1219,98 +1197,6 @@
     <p:extLst>
       <p:ext uri="{BB962C8B-B14F-4D97-AF65-F5344CB8AC3E}">
         <p14:creationId xmlns:p14="http://schemas.microsoft.com/office/powerpoint/2010/main" val="492324420"/>
-      </p:ext>
-    </p:extLst>
-  </p:cSld>
-  <p:clrMapOvr>
-    <a:masterClrMapping/>
-  </p:clrMapOvr>
-</p:notes>
-</file>
-
-<file path=ppt/notesSlides/notesSlide9.xml><?xml version="1.0" encoding="utf-8"?>
-<p:notes xmlns:a="http://schemas.openxmlformats.org/drawingml/2006/main" xmlns:r="http://schemas.openxmlformats.org/officeDocument/2006/relationships" xmlns:p="http://schemas.openxmlformats.org/presentationml/2006/main">
-  <p:cSld>
-    <p:spTree>
-      <p:nvGrpSpPr>
-        <p:cNvPr id="1" name=""/>
-        <p:cNvGrpSpPr/>
-        <p:nvPr/>
-      </p:nvGrpSpPr>
-      <p:grpSpPr>
-        <a:xfrm>
-          <a:off x="0" y="0"/>
-          <a:ext cx="0" cy="0"/>
-          <a:chOff x="0" y="0"/>
-          <a:chExt cx="0" cy="0"/>
-        </a:xfrm>
-      </p:grpSpPr>
-      <p:sp>
-        <p:nvSpPr>
-          <p:cNvPr id="2" name="Slide Image Placeholder 1"/>
-          <p:cNvSpPr>
-            <a:spLocks noGrp="1" noRot="1" noChangeAspect="1"/>
-          </p:cNvSpPr>
-          <p:nvPr>
-            <p:ph type="sldImg"/>
-          </p:nvPr>
-        </p:nvSpPr>
-        <p:spPr/>
-      </p:sp>
-      <p:sp>
-        <p:nvSpPr>
-          <p:cNvPr id="3" name="Notes Placeholder 2"/>
-          <p:cNvSpPr>
-            <a:spLocks noGrp="1"/>
-          </p:cNvSpPr>
-          <p:nvPr>
-            <p:ph type="body" idx="1"/>
-          </p:nvPr>
-        </p:nvSpPr>
-        <p:spPr/>
-        <p:txBody>
-          <a:bodyPr/>
-          <a:lstStyle/>
-          <a:p>
-            <a:r>
-              <a:rPr lang="en-US" dirty="0" smtClean="0"/>
-              <a:t>Too much time? </a:t>
-            </a:r>
-            <a:r>
-              <a:rPr lang="en-US" smtClean="0"/>
-              <a:t>Github</a:t>
-            </a:r>
-            <a:endParaRPr lang="en-US"/>
-          </a:p>
-        </p:txBody>
-      </p:sp>
-      <p:sp>
-        <p:nvSpPr>
-          <p:cNvPr id="4" name="Slide Number Placeholder 3"/>
-          <p:cNvSpPr>
-            <a:spLocks noGrp="1"/>
-          </p:cNvSpPr>
-          <p:nvPr>
-            <p:ph type="sldNum" sz="quarter" idx="10"/>
-          </p:nvPr>
-        </p:nvSpPr>
-        <p:spPr/>
-        <p:txBody>
-          <a:bodyPr/>
-          <a:lstStyle/>
-          <a:p>
-            <a:fld id="{DDFB7C01-31B4-FB41-8747-A2427BA423C7}" type="slidenum">
-              <a:rPr lang="en-US" smtClean="0"/>
-              <a:t>13</a:t>
-            </a:fld>
-            <a:endParaRPr lang="en-US"/>
-          </a:p>
-        </p:txBody>
-      </p:sp>
-    </p:spTree>
-    <p:extLst>
-      <p:ext uri="{BB962C8B-B14F-4D97-AF65-F5344CB8AC3E}">
-        <p14:creationId xmlns:p14="http://schemas.microsoft.com/office/powerpoint/2010/main" val="2296723580"/>
       </p:ext>
     </p:extLst>
   </p:cSld>
@@ -4416,12 +4302,14 @@
         </p:nvSpPr>
         <p:spPr/>
         <p:txBody>
-          <a:bodyPr/>
-          <a:lstStyle/>
-          <a:p>
-            <a:r>
-              <a:rPr lang="en-US" dirty="0" err="1" smtClean="0"/>
-              <a:t>Obspy</a:t>
+          <a:bodyPr>
+            <a:normAutofit fontScale="90000"/>
+          </a:bodyPr>
+          <a:lstStyle/>
+          <a:p>
+            <a:r>
+              <a:rPr lang="en-US" dirty="0" smtClean="0"/>
+              <a:t>Links to other IRIS Software packages</a:t>
             </a:r>
             <a:endParaRPr lang="en-US" dirty="0"/>
           </a:p>
@@ -4443,33 +4331,39 @@
           <a:lstStyle/>
           <a:p>
             <a:r>
-              <a:rPr lang="en-US" dirty="0" smtClean="0"/>
-              <a:t>Python library made for processing seismic data</a:t>
-            </a:r>
-          </a:p>
-          <a:p>
-            <a:r>
-              <a:rPr lang="en-US" dirty="0" smtClean="0"/>
-              <a:t>Very useful if you ever need to develop code for seismology research </a:t>
-            </a:r>
+              <a:rPr lang="en-US" dirty="0">
+                <a:hlinkClick r:id="rId2"/>
+              </a:rPr>
+              <a:t>http://www.iris.edu/ds/nodes/dmc/software</a:t>
+            </a:r>
+            <a:r>
+              <a:rPr lang="en-US" dirty="0" smtClean="0">
+                <a:hlinkClick r:id="rId2"/>
+              </a:rPr>
+              <a:t>/</a:t>
+            </a:r>
+            <a:endParaRPr lang="en-US" dirty="0" smtClean="0"/>
           </a:p>
           <a:p>
             <a:r>
               <a:rPr lang="en-US" dirty="0">
                 <a:hlinkClick r:id="rId3"/>
               </a:rPr>
-              <a:t>https://github.com/obspy/obspy/</a:t>
+              <a:t>https://seiscode.iris.washington.edu</a:t>
             </a:r>
             <a:r>
               <a:rPr lang="en-US" dirty="0" smtClean="0">
                 <a:hlinkClick r:id="rId3"/>
               </a:rPr>
-              <a:t>wiki</a:t>
+              <a:t>/</a:t>
             </a:r>
             <a:r>
               <a:rPr lang="en-US" dirty="0" smtClean="0"/>
-              <a:t> </a:t>
-            </a:r>
+              <a:t>  </a:t>
+            </a:r>
+            <a:endParaRPr lang="en-US" dirty="0"/>
+          </a:p>
+          <a:p>
             <a:endParaRPr lang="en-US" dirty="0"/>
           </a:p>
         </p:txBody>
@@ -4477,7 +4371,7 @@
     </p:spTree>
     <p:extLst>
       <p:ext uri="{BB962C8B-B14F-4D97-AF65-F5344CB8AC3E}">
-        <p14:creationId xmlns:p14="http://schemas.microsoft.com/office/powerpoint/2010/main" val="3393172696"/>
+        <p14:creationId xmlns:p14="http://schemas.microsoft.com/office/powerpoint/2010/main" val="4182042374"/>
       </p:ext>
     </p:extLst>
   </p:cSld>
@@ -4521,15 +4415,7 @@
           <a:p>
             <a:r>
               <a:rPr lang="en-US" dirty="0" smtClean="0"/>
-              <a:t>Installing </a:t>
-            </a:r>
-            <a:r>
-              <a:rPr lang="en-US" dirty="0" err="1" smtClean="0"/>
-              <a:t>Obspy</a:t>
-            </a:r>
-            <a:r>
-              <a:rPr lang="en-US" smtClean="0"/>
-              <a:t> -- Tips </a:t>
+              <a:t>Python</a:t>
             </a:r>
             <a:endParaRPr lang="en-US" dirty="0"/>
           </a:p>
@@ -4551,31 +4437,32 @@
           <a:lstStyle/>
           <a:p>
             <a:r>
-              <a:rPr lang="en-US" dirty="0" err="1" smtClean="0"/>
-              <a:t>Macports</a:t>
-            </a:r>
-            <a:r>
               <a:rPr lang="en-US" dirty="0" smtClean="0"/>
-              <a:t> seems the best way: </a:t>
-            </a:r>
-          </a:p>
-          <a:p>
-            <a:pPr lvl="1"/>
-            <a:r>
-              <a:rPr lang="en-US" dirty="0">
-                <a:hlinkClick r:id="rId3"/>
-              </a:rPr>
-              <a:t>https://github.com/obspy/obspy/wiki/Installation-on-Mac-OS-X-using-</a:t>
-            </a:r>
-            <a:r>
-              <a:rPr lang="en-US" dirty="0" smtClean="0">
-                <a:hlinkClick r:id="rId3"/>
-              </a:rPr>
-              <a:t>Macports</a:t>
-            </a:r>
-            <a:r>
-              <a:rPr lang="en-US" smtClean="0"/>
-              <a:t> </a:t>
+              <a:t>General purpose language</a:t>
+            </a:r>
+          </a:p>
+          <a:p>
+            <a:r>
+              <a:rPr lang="en-US" dirty="0" smtClean="0"/>
+              <a:t>High-level</a:t>
+            </a:r>
+          </a:p>
+          <a:p>
+            <a:r>
+              <a:rPr lang="en-US" dirty="0" smtClean="0"/>
+              <a:t>Commonly used for teaching intro CS classes </a:t>
+            </a:r>
+          </a:p>
+          <a:p>
+            <a:r>
+              <a:rPr lang="en-US" dirty="0" smtClean="0"/>
+              <a:t>Open source</a:t>
+            </a:r>
+          </a:p>
+          <a:p>
+            <a:r>
+              <a:rPr lang="en-US" dirty="0" smtClean="0"/>
+              <a:t>Scripting allowed </a:t>
             </a:r>
             <a:endParaRPr lang="en-US" dirty="0"/>
           </a:p>
@@ -4584,7 +4471,7 @@
     </p:spTree>
     <p:extLst>
       <p:ext uri="{BB962C8B-B14F-4D97-AF65-F5344CB8AC3E}">
-        <p14:creationId xmlns:p14="http://schemas.microsoft.com/office/powerpoint/2010/main" val="2604491869"/>
+        <p14:creationId xmlns:p14="http://schemas.microsoft.com/office/powerpoint/2010/main" val="2560964455"/>
       </p:ext>
     </p:extLst>
   </p:cSld>
@@ -4628,7 +4515,7 @@
           <a:p>
             <a:r>
               <a:rPr lang="en-US" dirty="0" smtClean="0"/>
-              <a:t>Uninstalling programs</a:t>
+              <a:t>Installing Python -- Tips</a:t>
             </a:r>
             <a:endParaRPr lang="en-US" dirty="0"/>
           </a:p>
@@ -4650,57 +4537,60 @@
           <a:lstStyle/>
           <a:p>
             <a:r>
+              <a:rPr lang="en-US" dirty="0"/>
+              <a:t>Easy way: </a:t>
+            </a:r>
+            <a:r>
+              <a:rPr lang="en-US" dirty="0">
+                <a:hlinkClick r:id="rId3"/>
+              </a:rPr>
+              <a:t>https://store.enthought.com/downloads</a:t>
+            </a:r>
+            <a:r>
+              <a:rPr lang="en-US" dirty="0" smtClean="0">
+                <a:hlinkClick r:id="rId3"/>
+              </a:rPr>
+              <a:t>/</a:t>
+            </a:r>
+            <a:r>
               <a:rPr lang="en-US" dirty="0" smtClean="0"/>
-              <a:t>Check if the program exists first</a:t>
-            </a:r>
-          </a:p>
-          <a:p>
-            <a:pPr lvl="1"/>
-            <a:r>
-              <a:rPr lang="en-US" b="1" dirty="0"/>
-              <a:t>w</a:t>
-            </a:r>
-            <a:r>
-              <a:rPr lang="en-US" b="1" dirty="0" smtClean="0"/>
-              <a:t>hich &lt;name-of-program&gt;</a:t>
-            </a:r>
-          </a:p>
-          <a:p>
-            <a:r>
-              <a:rPr lang="en-US" b="1" dirty="0" err="1" smtClean="0"/>
-              <a:t>Sudo</a:t>
-            </a:r>
-            <a:r>
-              <a:rPr lang="en-US" b="1" dirty="0" smtClean="0"/>
               <a:t> </a:t>
             </a:r>
-            <a:r>
-              <a:rPr lang="en-US" b="1" dirty="0" err="1" smtClean="0"/>
-              <a:t>rm</a:t>
-            </a:r>
-            <a:r>
-              <a:rPr lang="en-US" b="1" dirty="0" smtClean="0"/>
-              <a:t> &lt;path-to-program&gt;</a:t>
-            </a:r>
+            <a:endParaRPr lang="en-US" dirty="0"/>
           </a:p>
           <a:p>
             <a:r>
               <a:rPr lang="en-US" dirty="0" smtClean="0"/>
-              <a:t>Repeat until </a:t>
-            </a:r>
-            <a:r>
-              <a:rPr lang="en-US" b="1" dirty="0" smtClean="0"/>
-              <a:t>which &lt;name-of-program&gt; </a:t>
-            </a:r>
+              <a:t>Hard </a:t>
+            </a:r>
+            <a:r>
+              <a:rPr lang="en-US" dirty="0" err="1" smtClean="0"/>
+              <a:t>way:</a:t>
+            </a:r>
+            <a:r>
+              <a:rPr lang="en-US" dirty="0" err="1" smtClean="0">
+                <a:hlinkClick r:id="rId4"/>
+              </a:rPr>
+              <a:t>http</a:t>
+            </a:r>
+            <a:r>
+              <a:rPr lang="en-US" dirty="0">
+                <a:hlinkClick r:id="rId4"/>
+              </a:rPr>
+              <a:t>://aimbat.readthedocs.org/en/latest/docfiles/</a:t>
+            </a:r>
+            <a:r>
+              <a:rPr lang="en-US" dirty="0" smtClean="0">
+                <a:hlinkClick r:id="rId4"/>
+              </a:rPr>
+              <a:t>install_dependencies.html</a:t>
+            </a:r>
+            <a:endParaRPr lang="en-US" dirty="0" smtClean="0"/>
+          </a:p>
+          <a:p>
             <a:r>
               <a:rPr lang="en-US" dirty="0" smtClean="0"/>
-              <a:t>shows up nothing in terminal</a:t>
-            </a:r>
-          </a:p>
-          <a:p>
-            <a:r>
-              <a:rPr lang="en-US" dirty="0" smtClean="0"/>
-              <a:t>Delete path to scripts in bash file, if appropriate</a:t>
+              <a:t>Note: Python is already installed on the cluster computers</a:t>
             </a:r>
             <a:endParaRPr lang="en-US" dirty="0"/>
           </a:p>
@@ -4709,7 +4599,7 @@
     </p:spTree>
     <p:extLst>
       <p:ext uri="{BB962C8B-B14F-4D97-AF65-F5344CB8AC3E}">
-        <p14:creationId xmlns:p14="http://schemas.microsoft.com/office/powerpoint/2010/main" val="3870166851"/>
+        <p14:creationId xmlns:p14="http://schemas.microsoft.com/office/powerpoint/2010/main" val="2707125529"/>
       </p:ext>
     </p:extLst>
   </p:cSld>
@@ -4748,85 +4638,60 @@
         </p:nvSpPr>
         <p:spPr/>
         <p:txBody>
-          <a:bodyPr>
-            <a:normAutofit fontScale="90000"/>
-          </a:bodyPr>
+          <a:bodyPr/>
+          <a:lstStyle/>
+          <a:p>
+            <a:r>
+              <a:rPr lang="en-US" dirty="0" err="1" smtClean="0"/>
+              <a:t>Obspy</a:t>
+            </a:r>
+            <a:endParaRPr lang="en-US" dirty="0"/>
+          </a:p>
+        </p:txBody>
+      </p:sp>
+      <p:sp>
+        <p:nvSpPr>
+          <p:cNvPr id="3" name="Content Placeholder 2"/>
+          <p:cNvSpPr>
+            <a:spLocks noGrp="1"/>
+          </p:cNvSpPr>
+          <p:nvPr>
+            <p:ph idx="1"/>
+          </p:nvPr>
+        </p:nvSpPr>
+        <p:spPr/>
+        <p:txBody>
+          <a:bodyPr/>
           <a:lstStyle/>
           <a:p>
             <a:r>
               <a:rPr lang="en-US" dirty="0" smtClean="0"/>
-              <a:t>Links to other IRIS Software packages</a:t>
-            </a:r>
-            <a:endParaRPr lang="en-US" dirty="0"/>
-          </a:p>
-        </p:txBody>
-      </p:sp>
-      <p:sp>
-        <p:nvSpPr>
-          <p:cNvPr id="3" name="Content Placeholder 2"/>
-          <p:cNvSpPr>
-            <a:spLocks noGrp="1"/>
-          </p:cNvSpPr>
-          <p:nvPr>
-            <p:ph idx="1"/>
-          </p:nvPr>
-        </p:nvSpPr>
-        <p:spPr/>
-        <p:txBody>
-          <a:bodyPr/>
-          <a:lstStyle/>
+              <a:t>Python library made for processing seismic data</a:t>
+            </a:r>
+          </a:p>
+          <a:p>
+            <a:r>
+              <a:rPr lang="en-US" dirty="0" smtClean="0"/>
+              <a:t>Very useful if you ever need to develop code for seismology research </a:t>
+            </a:r>
+          </a:p>
           <a:p>
             <a:r>
               <a:rPr lang="en-US" dirty="0">
                 <a:hlinkClick r:id="rId3"/>
               </a:rPr>
-              <a:t>http://www.iris.edu/ds/nodes/dmc/software</a:t>
+              <a:t>https://github.com/obspy/obspy/</a:t>
             </a:r>
             <a:r>
               <a:rPr lang="en-US" dirty="0" smtClean="0">
                 <a:hlinkClick r:id="rId3"/>
               </a:rPr>
-              <a:t>/</a:t>
-            </a:r>
-            <a:endParaRPr lang="en-US" dirty="0" smtClean="0"/>
-          </a:p>
-          <a:p>
-            <a:r>
-              <a:rPr lang="en-US" dirty="0">
-                <a:hlinkClick r:id="rId4"/>
-              </a:rPr>
-              <a:t>https://seiscode.iris.washington.edu</a:t>
-            </a:r>
-            <a:r>
-              <a:rPr lang="en-US" dirty="0" smtClean="0">
-                <a:hlinkClick r:id="rId4"/>
-              </a:rPr>
-              <a:t>/</a:t>
+              <a:t>wiki</a:t>
             </a:r>
             <a:r>
               <a:rPr lang="en-US" dirty="0" smtClean="0"/>
-              <a:t>  </a:t>
-            </a:r>
-          </a:p>
-          <a:p>
-            <a:r>
-              <a:rPr lang="en-US" dirty="0" smtClean="0"/>
-              <a:t>Exercise: </a:t>
-            </a:r>
-          </a:p>
-          <a:p>
-            <a:pPr lvl="1"/>
-            <a:r>
-              <a:rPr lang="en-US" dirty="0"/>
-              <a:t>C</a:t>
-            </a:r>
-            <a:r>
-              <a:rPr lang="en-US" dirty="0" smtClean="0"/>
-              <a:t>hoose one an try and install/use it  </a:t>
-            </a:r>
-            <a:endParaRPr lang="en-US" dirty="0"/>
-          </a:p>
-          <a:p>
+              <a:t> </a:t>
+            </a:r>
             <a:endParaRPr lang="en-US" dirty="0"/>
           </a:p>
         </p:txBody>
@@ -4834,7 +4699,239 @@
     </p:spTree>
     <p:extLst>
       <p:ext uri="{BB962C8B-B14F-4D97-AF65-F5344CB8AC3E}">
-        <p14:creationId xmlns:p14="http://schemas.microsoft.com/office/powerpoint/2010/main" val="4182042374"/>
+        <p14:creationId xmlns:p14="http://schemas.microsoft.com/office/powerpoint/2010/main" val="3393172696"/>
+      </p:ext>
+    </p:extLst>
+  </p:cSld>
+  <p:clrMapOvr>
+    <a:masterClrMapping/>
+  </p:clrMapOvr>
+</p:sld>
+</file>
+
+<file path=ppt/slides/slide14.xml><?xml version="1.0" encoding="utf-8"?>
+<p:sld xmlns:a="http://schemas.openxmlformats.org/drawingml/2006/main" xmlns:r="http://schemas.openxmlformats.org/officeDocument/2006/relationships" xmlns:p="http://schemas.openxmlformats.org/presentationml/2006/main">
+  <p:cSld>
+    <p:spTree>
+      <p:nvGrpSpPr>
+        <p:cNvPr id="1" name=""/>
+        <p:cNvGrpSpPr/>
+        <p:nvPr/>
+      </p:nvGrpSpPr>
+      <p:grpSpPr>
+        <a:xfrm>
+          <a:off x="0" y="0"/>
+          <a:ext cx="0" cy="0"/>
+          <a:chOff x="0" y="0"/>
+          <a:chExt cx="0" cy="0"/>
+        </a:xfrm>
+      </p:grpSpPr>
+      <p:sp>
+        <p:nvSpPr>
+          <p:cNvPr id="2" name="Title 1"/>
+          <p:cNvSpPr>
+            <a:spLocks noGrp="1"/>
+          </p:cNvSpPr>
+          <p:nvPr>
+            <p:ph type="title"/>
+          </p:nvPr>
+        </p:nvSpPr>
+        <p:spPr/>
+        <p:txBody>
+          <a:bodyPr/>
+          <a:lstStyle/>
+          <a:p>
+            <a:r>
+              <a:rPr lang="en-US" dirty="0" smtClean="0"/>
+              <a:t>Installing </a:t>
+            </a:r>
+            <a:r>
+              <a:rPr lang="en-US" dirty="0" err="1" smtClean="0"/>
+              <a:t>Obspy</a:t>
+            </a:r>
+            <a:r>
+              <a:rPr lang="en-US" dirty="0" smtClean="0"/>
+              <a:t> -- Tips </a:t>
+            </a:r>
+            <a:endParaRPr lang="en-US" dirty="0"/>
+          </a:p>
+        </p:txBody>
+      </p:sp>
+      <p:sp>
+        <p:nvSpPr>
+          <p:cNvPr id="3" name="Content Placeholder 2"/>
+          <p:cNvSpPr>
+            <a:spLocks noGrp="1"/>
+          </p:cNvSpPr>
+          <p:nvPr>
+            <p:ph idx="1"/>
+          </p:nvPr>
+        </p:nvSpPr>
+        <p:spPr/>
+        <p:txBody>
+          <a:bodyPr/>
+          <a:lstStyle/>
+          <a:p>
+            <a:r>
+              <a:rPr lang="en-US" dirty="0" err="1" smtClean="0"/>
+              <a:t>Macports</a:t>
+            </a:r>
+            <a:r>
+              <a:rPr lang="en-US" dirty="0" smtClean="0"/>
+              <a:t> seems the best way: </a:t>
+            </a:r>
+          </a:p>
+          <a:p>
+            <a:pPr lvl="1"/>
+            <a:r>
+              <a:rPr lang="en-US" dirty="0">
+                <a:hlinkClick r:id="rId3"/>
+              </a:rPr>
+              <a:t>https://github.com/obspy/obspy/wiki/Installation-on-Mac-OS-X-using-</a:t>
+            </a:r>
+            <a:r>
+              <a:rPr lang="en-US" dirty="0" smtClean="0">
+                <a:hlinkClick r:id="rId3"/>
+              </a:rPr>
+              <a:t>Macports</a:t>
+            </a:r>
+            <a:r>
+              <a:rPr lang="en-US" smtClean="0"/>
+              <a:t> </a:t>
+            </a:r>
+            <a:endParaRPr lang="en-US" dirty="0"/>
+          </a:p>
+        </p:txBody>
+      </p:sp>
+    </p:spTree>
+    <p:extLst>
+      <p:ext uri="{BB962C8B-B14F-4D97-AF65-F5344CB8AC3E}">
+        <p14:creationId xmlns:p14="http://schemas.microsoft.com/office/powerpoint/2010/main" val="2604491869"/>
+      </p:ext>
+    </p:extLst>
+  </p:cSld>
+  <p:clrMapOvr>
+    <a:masterClrMapping/>
+  </p:clrMapOvr>
+</p:sld>
+</file>
+
+<file path=ppt/slides/slide15.xml><?xml version="1.0" encoding="utf-8"?>
+<p:sld xmlns:a="http://schemas.openxmlformats.org/drawingml/2006/main" xmlns:r="http://schemas.openxmlformats.org/officeDocument/2006/relationships" xmlns:p="http://schemas.openxmlformats.org/presentationml/2006/main">
+  <p:cSld>
+    <p:spTree>
+      <p:nvGrpSpPr>
+        <p:cNvPr id="1" name=""/>
+        <p:cNvGrpSpPr/>
+        <p:nvPr/>
+      </p:nvGrpSpPr>
+      <p:grpSpPr>
+        <a:xfrm>
+          <a:off x="0" y="0"/>
+          <a:ext cx="0" cy="0"/>
+          <a:chOff x="0" y="0"/>
+          <a:chExt cx="0" cy="0"/>
+        </a:xfrm>
+      </p:grpSpPr>
+      <p:sp>
+        <p:nvSpPr>
+          <p:cNvPr id="2" name="Title 1"/>
+          <p:cNvSpPr>
+            <a:spLocks noGrp="1"/>
+          </p:cNvSpPr>
+          <p:nvPr>
+            <p:ph type="title"/>
+          </p:nvPr>
+        </p:nvSpPr>
+        <p:spPr/>
+        <p:txBody>
+          <a:bodyPr/>
+          <a:lstStyle/>
+          <a:p>
+            <a:r>
+              <a:rPr lang="en-US" dirty="0" smtClean="0"/>
+              <a:t>Uninstalling programs</a:t>
+            </a:r>
+            <a:endParaRPr lang="en-US" dirty="0"/>
+          </a:p>
+        </p:txBody>
+      </p:sp>
+      <p:sp>
+        <p:nvSpPr>
+          <p:cNvPr id="3" name="Content Placeholder 2"/>
+          <p:cNvSpPr>
+            <a:spLocks noGrp="1"/>
+          </p:cNvSpPr>
+          <p:nvPr>
+            <p:ph idx="1"/>
+          </p:nvPr>
+        </p:nvSpPr>
+        <p:spPr/>
+        <p:txBody>
+          <a:bodyPr/>
+          <a:lstStyle/>
+          <a:p>
+            <a:r>
+              <a:rPr lang="en-US" dirty="0" smtClean="0"/>
+              <a:t>Check if the program exists first</a:t>
+            </a:r>
+          </a:p>
+          <a:p>
+            <a:pPr lvl="1"/>
+            <a:r>
+              <a:rPr lang="en-US" b="1" dirty="0"/>
+              <a:t>w</a:t>
+            </a:r>
+            <a:r>
+              <a:rPr lang="en-US" b="1" dirty="0" smtClean="0"/>
+              <a:t>hich &lt;name-of-program&gt;</a:t>
+            </a:r>
+          </a:p>
+          <a:p>
+            <a:r>
+              <a:rPr lang="en-US" b="1" dirty="0" err="1" smtClean="0"/>
+              <a:t>Sudo</a:t>
+            </a:r>
+            <a:r>
+              <a:rPr lang="en-US" b="1" dirty="0" smtClean="0"/>
+              <a:t> </a:t>
+            </a:r>
+            <a:r>
+              <a:rPr lang="en-US" b="1" dirty="0" err="1" smtClean="0"/>
+              <a:t>rm</a:t>
+            </a:r>
+            <a:r>
+              <a:rPr lang="en-US" b="1" dirty="0" smtClean="0"/>
+              <a:t> &lt;path-to-program&gt;</a:t>
+            </a:r>
+          </a:p>
+          <a:p>
+            <a:r>
+              <a:rPr lang="en-US" dirty="0" smtClean="0"/>
+              <a:t>Repeat until </a:t>
+            </a:r>
+            <a:r>
+              <a:rPr lang="en-US" b="1" dirty="0" smtClean="0"/>
+              <a:t>which &lt;name-of-program&gt; </a:t>
+            </a:r>
+            <a:r>
+              <a:rPr lang="en-US" dirty="0" smtClean="0"/>
+              <a:t>shows up nothing in terminal</a:t>
+            </a:r>
+          </a:p>
+          <a:p>
+            <a:r>
+              <a:rPr lang="en-US" dirty="0" smtClean="0"/>
+              <a:t>Delete path to scripts in bash file, if appropriate</a:t>
+            </a:r>
+            <a:endParaRPr lang="en-US" dirty="0"/>
+          </a:p>
+        </p:txBody>
+      </p:sp>
+    </p:spTree>
+    <p:extLst>
+      <p:ext uri="{BB962C8B-B14F-4D97-AF65-F5344CB8AC3E}">
+        <p14:creationId xmlns:p14="http://schemas.microsoft.com/office/powerpoint/2010/main" val="3870166851"/>
       </p:ext>
     </p:extLst>
   </p:cSld>
@@ -4871,14 +4968,29 @@
             <p:ph type="title"/>
           </p:nvPr>
         </p:nvSpPr>
-        <p:spPr/>
-        <p:txBody>
-          <a:bodyPr/>
+        <p:spPr>
+          <a:xfrm>
+            <a:off x="457200" y="14545"/>
+            <a:ext cx="8229600" cy="1143000"/>
+          </a:xfrm>
+        </p:spPr>
+        <p:txBody>
+          <a:bodyPr>
+            <a:normAutofit fontScale="90000"/>
+          </a:bodyPr>
           <a:lstStyle/>
           <a:p>
             <a:r>
               <a:rPr lang="en-US" dirty="0" smtClean="0"/>
-              <a:t>Contents</a:t>
+              <a:t>What if you lose connection to the Volumes/</a:t>
+            </a:r>
+            <a:r>
+              <a:rPr lang="en-US" dirty="0" err="1" smtClean="0"/>
+              <a:t>USArray</a:t>
+            </a:r>
+            <a:r>
+              <a:rPr lang="en-US" dirty="0" smtClean="0"/>
+              <a:t> folder</a:t>
             </a:r>
             <a:endParaRPr lang="en-US" dirty="0"/>
           </a:p>
@@ -4894,120 +5006,65 @@
             <p:ph idx="1"/>
           </p:nvPr>
         </p:nvSpPr>
-        <p:spPr/>
-        <p:txBody>
-          <a:bodyPr>
-            <a:normAutofit fontScale="85000" lnSpcReduction="20000"/>
-          </a:bodyPr>
+        <p:spPr>
+          <a:xfrm>
+            <a:off x="457200" y="1180546"/>
+            <a:ext cx="7716322" cy="1308401"/>
+          </a:xfrm>
+        </p:spPr>
+        <p:txBody>
+          <a:bodyPr/>
           <a:lstStyle/>
           <a:p>
             <a:r>
               <a:rPr lang="en-US" dirty="0" smtClean="0"/>
-              <a:t>Configuring the UNIX system</a:t>
-            </a:r>
-          </a:p>
-          <a:p>
-            <a:r>
-              <a:rPr lang="en-US" dirty="0" err="1" smtClean="0"/>
-              <a:t>JEvalPlot</a:t>
-            </a:r>
+              <a:t>Finder &gt;&gt; Go &gt;&gt; Connect to Server &gt;&gt; </a:t>
+            </a:r>
+          </a:p>
+          <a:p>
+            <a:pPr lvl="1"/>
             <a:r>
               <a:rPr lang="en-US" dirty="0" smtClean="0"/>
-              <a:t> </a:t>
-            </a:r>
-          </a:p>
-          <a:p>
-            <a:pPr lvl="1"/>
-            <a:r>
-              <a:rPr lang="en-US" dirty="0" smtClean="0"/>
-              <a:t>Installing </a:t>
-            </a:r>
-            <a:r>
-              <a:rPr lang="en-US" dirty="0" err="1" smtClean="0"/>
-              <a:t>JEvalPlot</a:t>
-            </a:r>
-            <a:endParaRPr lang="en-US" dirty="0" smtClean="0"/>
-          </a:p>
-          <a:p>
-            <a:pPr lvl="1"/>
-            <a:r>
-              <a:rPr lang="en-US" dirty="0" smtClean="0"/>
-              <a:t>Using </a:t>
-            </a:r>
-            <a:r>
-              <a:rPr lang="en-US" dirty="0" err="1" smtClean="0"/>
-              <a:t>JEvalPlot</a:t>
-            </a:r>
-            <a:endParaRPr lang="en-US" dirty="0" smtClean="0"/>
-          </a:p>
-          <a:p>
-            <a:r>
-              <a:rPr lang="en-US" dirty="0" smtClean="0"/>
-              <a:t>Python</a:t>
-            </a:r>
-          </a:p>
-          <a:p>
-            <a:pPr lvl="1"/>
-            <a:r>
-              <a:rPr lang="en-US" dirty="0" smtClean="0"/>
-              <a:t>Introduction</a:t>
-            </a:r>
-          </a:p>
-          <a:p>
-            <a:pPr lvl="1"/>
-            <a:r>
-              <a:rPr lang="en-US" dirty="0" smtClean="0"/>
-              <a:t>Installing Python</a:t>
-            </a:r>
-          </a:p>
-          <a:p>
-            <a:r>
-              <a:rPr lang="en-US" dirty="0" err="1" smtClean="0"/>
-              <a:t>Obspy</a:t>
-            </a:r>
-            <a:endParaRPr lang="en-US" dirty="0" smtClean="0"/>
-          </a:p>
-          <a:p>
-            <a:pPr lvl="1"/>
-            <a:r>
-              <a:rPr lang="en-US" dirty="0" smtClean="0"/>
-              <a:t>Introduction</a:t>
-            </a:r>
-          </a:p>
-          <a:p>
-            <a:pPr lvl="1"/>
-            <a:r>
-              <a:rPr lang="en-US" dirty="0" smtClean="0"/>
-              <a:t>Installing </a:t>
-            </a:r>
-            <a:r>
-              <a:rPr lang="en-US" dirty="0" err="1" smtClean="0"/>
-              <a:t>Obspy</a:t>
-            </a:r>
-            <a:endParaRPr lang="en-US" dirty="0" smtClean="0"/>
-          </a:p>
-          <a:p>
-            <a:r>
-              <a:rPr lang="en-US" dirty="0"/>
-              <a:t>Uninstalling programs</a:t>
-            </a:r>
-          </a:p>
-          <a:p>
-            <a:endParaRPr lang="en-US" dirty="0" smtClean="0"/>
-          </a:p>
-          <a:p>
-            <a:pPr lvl="1"/>
-            <a:endParaRPr lang="en-US" dirty="0" smtClean="0"/>
-          </a:p>
-          <a:p>
-            <a:endParaRPr lang="en-US" dirty="0" smtClean="0"/>
-          </a:p>
-        </p:txBody>
-      </p:sp>
+              <a:t>Connect to default server </a:t>
+            </a:r>
+            <a:endParaRPr lang="en-US" dirty="0"/>
+          </a:p>
+        </p:txBody>
+      </p:sp>
+      <p:pic>
+        <p:nvPicPr>
+          <p:cNvPr id="4" name="Picture 3" descr="losing_connection.png"/>
+          <p:cNvPicPr>
+            <a:picLocks noChangeAspect="1"/>
+          </p:cNvPicPr>
+          <p:nvPr/>
+        </p:nvPicPr>
+        <p:blipFill>
+          <a:blip r:embed="rId2">
+            <a:extLst>
+              <a:ext uri="{28A0092B-C50C-407E-A947-70E740481C1C}">
+                <a14:useLocalDpi xmlns:a14="http://schemas.microsoft.com/office/drawing/2010/main" val="0"/>
+              </a:ext>
+            </a:extLst>
+          </a:blip>
+          <a:stretch>
+            <a:fillRect/>
+          </a:stretch>
+        </p:blipFill>
+        <p:spPr>
+          <a:xfrm>
+            <a:off x="1874379" y="2280528"/>
+            <a:ext cx="5690336" cy="4421341"/>
+          </a:xfrm>
+          <a:prstGeom prst="rect">
+            <a:avLst/>
+          </a:prstGeom>
+        </p:spPr>
+      </p:pic>
     </p:spTree>
     <p:extLst>
       <p:ext uri="{BB962C8B-B14F-4D97-AF65-F5344CB8AC3E}">
-        <p14:creationId xmlns:p14="http://schemas.microsoft.com/office/powerpoint/2010/main" val="1036700446"/>
+        <p14:creationId xmlns:p14="http://schemas.microsoft.com/office/powerpoint/2010/main" val="3373434176"/>
       </p:ext>
     </p:extLst>
   </p:cSld>
@@ -5051,206 +5108,136 @@
           <a:p>
             <a:r>
               <a:rPr lang="en-US" dirty="0" smtClean="0"/>
+              <a:t>Contents</a:t>
+            </a:r>
+            <a:endParaRPr lang="en-US" dirty="0"/>
+          </a:p>
+        </p:txBody>
+      </p:sp>
+      <p:sp>
+        <p:nvSpPr>
+          <p:cNvPr id="3" name="Content Placeholder 2"/>
+          <p:cNvSpPr>
+            <a:spLocks noGrp="1"/>
+          </p:cNvSpPr>
+          <p:nvPr>
+            <p:ph idx="1"/>
+          </p:nvPr>
+        </p:nvSpPr>
+        <p:spPr/>
+        <p:txBody>
+          <a:bodyPr>
+            <a:normAutofit fontScale="85000" lnSpcReduction="20000"/>
+          </a:bodyPr>
+          <a:lstStyle/>
+          <a:p>
+            <a:r>
+              <a:rPr lang="en-US" dirty="0" smtClean="0"/>
               <a:t>Configuring the UNIX system</a:t>
             </a:r>
-            <a:endParaRPr lang="en-US" dirty="0"/>
-          </a:p>
-        </p:txBody>
-      </p:sp>
-      <p:sp>
-        <p:nvSpPr>
-          <p:cNvPr id="3" name="Content Placeholder 2"/>
-          <p:cNvSpPr>
-            <a:spLocks noGrp="1"/>
-          </p:cNvSpPr>
-          <p:nvPr>
-            <p:ph idx="1"/>
-          </p:nvPr>
-        </p:nvSpPr>
-        <p:spPr/>
-        <p:txBody>
-          <a:bodyPr>
-            <a:normAutofit fontScale="92500" lnSpcReduction="10000"/>
-          </a:bodyPr>
-          <a:lstStyle/>
-          <a:p>
+          </a:p>
+          <a:p>
+            <a:r>
+              <a:rPr lang="en-US" dirty="0" err="1" smtClean="0"/>
+              <a:t>JPlotResp</a:t>
+            </a:r>
             <a:r>
               <a:rPr lang="en-US" dirty="0" smtClean="0"/>
-              <a:t>The default Bourne Again Unix shell reads the .</a:t>
+              <a:t> </a:t>
+            </a:r>
+          </a:p>
+          <a:p>
+            <a:pPr lvl="1"/>
+            <a:r>
+              <a:rPr lang="en-US" dirty="0" smtClean="0"/>
+              <a:t>Installing </a:t>
             </a:r>
             <a:r>
               <a:rPr lang="en-US" dirty="0" err="1" smtClean="0"/>
-              <a:t>bashrc</a:t>
-            </a:r>
+              <a:t>JPlotResp</a:t>
+            </a:r>
+            <a:endParaRPr lang="en-US" dirty="0" smtClean="0"/>
+          </a:p>
+          <a:p>
+            <a:pPr lvl="1"/>
             <a:r>
               <a:rPr lang="en-US" dirty="0" smtClean="0"/>
-              <a:t> (or .profile) file when starting and execute commands contained in them</a:t>
+              <a:t>Using </a:t>
+            </a:r>
+            <a:r>
+              <a:rPr lang="en-US" dirty="0" err="1" smtClean="0"/>
+              <a:t>PlotResp</a:t>
+            </a:r>
+            <a:endParaRPr lang="en-US" dirty="0" smtClean="0"/>
+          </a:p>
+          <a:p>
+            <a:r>
+              <a:rPr lang="en-US" dirty="0" smtClean="0"/>
+              <a:t>Python</a:t>
             </a:r>
           </a:p>
           <a:p>
             <a:pPr lvl="1"/>
             <a:r>
               <a:rPr lang="en-US" dirty="0" smtClean="0"/>
-              <a:t>Shell commands</a:t>
+              <a:t>Introduction</a:t>
             </a:r>
           </a:p>
           <a:p>
             <a:pPr lvl="1"/>
             <a:r>
               <a:rPr lang="en-US" dirty="0" smtClean="0"/>
-              <a:t>set aliases</a:t>
-            </a:r>
-          </a:p>
-          <a:p>
-            <a:pPr lvl="2"/>
-            <a:r>
-              <a:rPr lang="en-US" b="1" dirty="0" smtClean="0"/>
-              <a:t>Alias </a:t>
-            </a:r>
-            <a:r>
-              <a:rPr lang="en-US" b="1" dirty="0" err="1" smtClean="0"/>
-              <a:t>ll</a:t>
-            </a:r>
-            <a:r>
-              <a:rPr lang="en-US" b="1" dirty="0" smtClean="0"/>
-              <a:t> = ‘</a:t>
-            </a:r>
-            <a:r>
-              <a:rPr lang="en-US" b="1" dirty="0" err="1" smtClean="0"/>
-              <a:t>ls</a:t>
-            </a:r>
-            <a:r>
-              <a:rPr lang="en-US" b="1" dirty="0" smtClean="0"/>
-              <a:t> -a’ </a:t>
-            </a:r>
+              <a:t>Installing Python</a:t>
+            </a:r>
+          </a:p>
+          <a:p>
+            <a:r>
+              <a:rPr lang="en-US" dirty="0" err="1" smtClean="0"/>
+              <a:t>Obspy</a:t>
+            </a:r>
+            <a:endParaRPr lang="en-US" dirty="0" smtClean="0"/>
+          </a:p>
+          <a:p>
+            <a:pPr lvl="1"/>
             <a:r>
               <a:rPr lang="en-US" dirty="0" smtClean="0"/>
-              <a:t>in </a:t>
+              <a:t>Introduction</a:t>
+            </a:r>
+          </a:p>
+          <a:p>
+            <a:pPr lvl="1"/>
+            <a:r>
+              <a:rPr lang="en-US" dirty="0" smtClean="0"/>
+              <a:t>Installing </a:t>
             </a:r>
             <a:r>
               <a:rPr lang="en-US" dirty="0" err="1" smtClean="0"/>
-              <a:t>bashrc</a:t>
-            </a:r>
-            <a:r>
-              <a:rPr lang="en-US" dirty="0" smtClean="0"/>
-              <a:t> file</a:t>
-            </a:r>
-          </a:p>
-          <a:p>
-            <a:pPr lvl="2"/>
-            <a:r>
-              <a:rPr lang="en-US" b="1" dirty="0" smtClean="0"/>
-              <a:t>Alias </a:t>
-            </a:r>
-            <a:r>
-              <a:rPr lang="en-US" b="1" dirty="0" err="1" smtClean="0"/>
-              <a:t>rmf</a:t>
-            </a:r>
-            <a:r>
-              <a:rPr lang="en-US" b="1" dirty="0" smtClean="0"/>
-              <a:t> = ‘</a:t>
-            </a:r>
-            <a:r>
-              <a:rPr lang="en-US" b="1" dirty="0" err="1" smtClean="0"/>
-              <a:t>rm</a:t>
-            </a:r>
-            <a:r>
-              <a:rPr lang="en-US" b="1" dirty="0" smtClean="0"/>
-              <a:t> -</a:t>
-            </a:r>
-            <a:r>
-              <a:rPr lang="en-US" b="1" dirty="0" err="1" smtClean="0"/>
-              <a:t>rf</a:t>
-            </a:r>
-            <a:r>
-              <a:rPr lang="en-US" b="1" dirty="0" smtClean="0"/>
-              <a:t>’</a:t>
-            </a:r>
-            <a:r>
-              <a:rPr lang="en-US" dirty="0" smtClean="0"/>
-              <a:t> in </a:t>
-            </a:r>
-            <a:r>
-              <a:rPr lang="en-US" dirty="0" err="1" smtClean="0"/>
-              <a:t>bashrc</a:t>
-            </a:r>
-            <a:r>
-              <a:rPr lang="en-US" dirty="0" smtClean="0"/>
-              <a:t> file</a:t>
-            </a:r>
+              <a:t>Obspy</a:t>
+            </a:r>
+            <a:endParaRPr lang="en-US" dirty="0" smtClean="0"/>
+          </a:p>
+          <a:p>
+            <a:r>
+              <a:rPr lang="en-US" dirty="0"/>
+              <a:t>Uninstalling programs</a:t>
+            </a:r>
+          </a:p>
+          <a:p>
+            <a:endParaRPr lang="en-US" dirty="0" smtClean="0"/>
           </a:p>
           <a:p>
             <a:pPr lvl="1"/>
-            <a:r>
-              <a:rPr lang="en-US" dirty="0" smtClean="0"/>
-              <a:t>Set new environment variables</a:t>
-            </a:r>
-          </a:p>
-          <a:p>
-            <a:r>
-              <a:rPr lang="en-US" dirty="0" smtClean="0"/>
-              <a:t>Profile file</a:t>
-            </a:r>
-          </a:p>
-          <a:p>
-            <a:pPr lvl="1"/>
-            <a:r>
-              <a:rPr lang="en-US" dirty="0" smtClean="0"/>
-              <a:t>Search for file name</a:t>
-            </a:r>
-            <a:endParaRPr lang="en-US" dirty="0"/>
-          </a:p>
-        </p:txBody>
-      </p:sp>
-      <p:sp>
-        <p:nvSpPr>
-          <p:cNvPr id="4" name="TextBox 3"/>
-          <p:cNvSpPr txBox="1"/>
-          <p:nvPr/>
-        </p:nvSpPr>
-        <p:spPr>
-          <a:xfrm>
-            <a:off x="2868344" y="6438952"/>
-            <a:ext cx="6275656" cy="369332"/>
-          </a:xfrm>
-          <a:prstGeom prst="rect">
-            <a:avLst/>
-          </a:prstGeom>
-          <a:noFill/>
-        </p:spPr>
-        <p:txBody>
-          <a:bodyPr wrap="square" rtlCol="0">
-            <a:spAutoFit/>
-          </a:bodyPr>
-          <a:lstStyle/>
-          <a:p>
-            <a:r>
-              <a:rPr lang="en-US" dirty="0"/>
-              <a:t>http://</a:t>
-            </a:r>
-            <a:r>
-              <a:rPr lang="en-US" dirty="0" err="1"/>
-              <a:t>superuser.com</a:t>
-            </a:r>
-            <a:r>
-              <a:rPr lang="en-US" dirty="0"/>
-              <a:t>/questions/49289/what-is-the-</a:t>
-            </a:r>
-            <a:r>
-              <a:rPr lang="en-US" dirty="0" err="1"/>
-              <a:t>bashrc</a:t>
-            </a:r>
-            <a:r>
-              <a:rPr lang="en-US" dirty="0"/>
-              <a:t>-file</a:t>
-            </a:r>
+            <a:endParaRPr lang="en-US" dirty="0" smtClean="0"/>
+          </a:p>
+          <a:p>
+            <a:endParaRPr lang="en-US" dirty="0" smtClean="0"/>
           </a:p>
         </p:txBody>
       </p:sp>
     </p:spTree>
     <p:extLst>
       <p:ext uri="{BB962C8B-B14F-4D97-AF65-F5344CB8AC3E}">
-        <p14:creationId xmlns:p14="http://schemas.microsoft.com/office/powerpoint/2010/main" val="3216832506"/>
+        <p14:creationId xmlns:p14="http://schemas.microsoft.com/office/powerpoint/2010/main" val="1036700446"/>
       </p:ext>
     </p:extLst>
   </p:cSld>
@@ -5289,6 +5276,169 @@
         </p:nvSpPr>
         <p:spPr/>
         <p:txBody>
+          <a:bodyPr/>
+          <a:lstStyle/>
+          <a:p>
+            <a:r>
+              <a:rPr lang="en-US" dirty="0" smtClean="0"/>
+              <a:t>Configuring the UNIX system</a:t>
+            </a:r>
+            <a:endParaRPr lang="en-US" dirty="0"/>
+          </a:p>
+        </p:txBody>
+      </p:sp>
+      <p:sp>
+        <p:nvSpPr>
+          <p:cNvPr id="3" name="Content Placeholder 2"/>
+          <p:cNvSpPr>
+            <a:spLocks noGrp="1"/>
+          </p:cNvSpPr>
+          <p:nvPr>
+            <p:ph idx="1"/>
+          </p:nvPr>
+        </p:nvSpPr>
+        <p:spPr/>
+        <p:txBody>
+          <a:bodyPr/>
+          <a:lstStyle/>
+          <a:p>
+            <a:r>
+              <a:rPr lang="en-US" dirty="0" smtClean="0"/>
+              <a:t>The default Bourne Again Unix shell reads the .</a:t>
+            </a:r>
+            <a:r>
+              <a:rPr lang="en-US" dirty="0" err="1" smtClean="0"/>
+              <a:t>bashrc</a:t>
+            </a:r>
+            <a:r>
+              <a:rPr lang="en-US" dirty="0" smtClean="0"/>
+              <a:t> (or .profile) file when starting and execute commands contained in them</a:t>
+            </a:r>
+          </a:p>
+          <a:p>
+            <a:pPr lvl="1"/>
+            <a:r>
+              <a:rPr lang="en-US" dirty="0" smtClean="0"/>
+              <a:t>Shell commands</a:t>
+            </a:r>
+          </a:p>
+          <a:p>
+            <a:pPr lvl="1"/>
+            <a:r>
+              <a:rPr lang="en-US" dirty="0" smtClean="0"/>
+              <a:t>set aliases</a:t>
+            </a:r>
+          </a:p>
+          <a:p>
+            <a:pPr lvl="1"/>
+            <a:r>
+              <a:rPr lang="en-US" dirty="0" smtClean="0"/>
+              <a:t>Set new environment variables</a:t>
+            </a:r>
+          </a:p>
+          <a:p>
+            <a:r>
+              <a:rPr lang="en-US" dirty="0" smtClean="0"/>
+              <a:t>Profile file</a:t>
+            </a:r>
+          </a:p>
+          <a:p>
+            <a:pPr lvl="1"/>
+            <a:r>
+              <a:rPr lang="en-US" dirty="0" smtClean="0"/>
+              <a:t>Search for file name</a:t>
+            </a:r>
+            <a:endParaRPr lang="en-US" dirty="0"/>
+          </a:p>
+        </p:txBody>
+      </p:sp>
+      <p:sp>
+        <p:nvSpPr>
+          <p:cNvPr id="4" name="TextBox 3"/>
+          <p:cNvSpPr txBox="1"/>
+          <p:nvPr/>
+        </p:nvSpPr>
+        <p:spPr>
+          <a:xfrm>
+            <a:off x="2868344" y="6438952"/>
+            <a:ext cx="6275656" cy="369332"/>
+          </a:xfrm>
+          <a:prstGeom prst="rect">
+            <a:avLst/>
+          </a:prstGeom>
+          <a:noFill/>
+        </p:spPr>
+        <p:txBody>
+          <a:bodyPr wrap="square" rtlCol="0">
+            <a:spAutoFit/>
+          </a:bodyPr>
+          <a:lstStyle/>
+          <a:p>
+            <a:r>
+              <a:rPr lang="en-US" dirty="0"/>
+              <a:t>http://</a:t>
+            </a:r>
+            <a:r>
+              <a:rPr lang="en-US" dirty="0" err="1"/>
+              <a:t>superuser.com</a:t>
+            </a:r>
+            <a:r>
+              <a:rPr lang="en-US" dirty="0"/>
+              <a:t>/questions/49289/what-is-the-</a:t>
+            </a:r>
+            <a:r>
+              <a:rPr lang="en-US" dirty="0" err="1"/>
+              <a:t>bashrc</a:t>
+            </a:r>
+            <a:r>
+              <a:rPr lang="en-US" dirty="0"/>
+              <a:t>-file</a:t>
+            </a:r>
+          </a:p>
+        </p:txBody>
+      </p:sp>
+    </p:spTree>
+    <p:extLst>
+      <p:ext uri="{BB962C8B-B14F-4D97-AF65-F5344CB8AC3E}">
+        <p14:creationId xmlns:p14="http://schemas.microsoft.com/office/powerpoint/2010/main" val="3216832506"/>
+      </p:ext>
+    </p:extLst>
+  </p:cSld>
+  <p:clrMapOvr>
+    <a:masterClrMapping/>
+  </p:clrMapOvr>
+</p:sld>
+</file>
+
+<file path=ppt/slides/slide5.xml><?xml version="1.0" encoding="utf-8"?>
+<p:sld xmlns:a="http://schemas.openxmlformats.org/drawingml/2006/main" xmlns:r="http://schemas.openxmlformats.org/officeDocument/2006/relationships" xmlns:p="http://schemas.openxmlformats.org/presentationml/2006/main">
+  <p:cSld>
+    <p:spTree>
+      <p:nvGrpSpPr>
+        <p:cNvPr id="1" name=""/>
+        <p:cNvGrpSpPr/>
+        <p:nvPr/>
+      </p:nvGrpSpPr>
+      <p:grpSpPr>
+        <a:xfrm>
+          <a:off x="0" y="0"/>
+          <a:ext cx="0" cy="0"/>
+          <a:chOff x="0" y="0"/>
+          <a:chExt cx="0" cy="0"/>
+        </a:xfrm>
+      </p:grpSpPr>
+      <p:sp>
+        <p:nvSpPr>
+          <p:cNvPr id="2" name="Title 1"/>
+          <p:cNvSpPr>
+            <a:spLocks noGrp="1"/>
+          </p:cNvSpPr>
+          <p:nvPr>
+            <p:ph type="title"/>
+          </p:nvPr>
+        </p:nvSpPr>
+        <p:spPr/>
+        <p:txBody>
           <a:bodyPr>
             <a:normAutofit/>
           </a:bodyPr>
@@ -5296,7 +5446,7 @@
           <a:p>
             <a:r>
               <a:rPr lang="en-US" dirty="0" err="1" smtClean="0"/>
-              <a:t>JEvalPlot</a:t>
+              <a:t>JPlotResp</a:t>
             </a:r>
             <a:endParaRPr lang="en-US" dirty="0"/>
           </a:p>
@@ -5383,6 +5533,45 @@
             <a:r>
               <a:rPr lang="pl-PL" dirty="0" err="1" smtClean="0"/>
               <a:t>information</a:t>
+            </a:r>
+            <a:endParaRPr lang="pl-PL" dirty="0" smtClean="0"/>
+          </a:p>
+          <a:p>
+            <a:r>
+              <a:rPr lang="pl-PL" dirty="0" err="1" smtClean="0"/>
+              <a:t>Download</a:t>
+            </a:r>
+            <a:r>
+              <a:rPr lang="pl-PL" dirty="0" smtClean="0"/>
+              <a:t> </a:t>
+            </a:r>
+            <a:r>
+              <a:rPr lang="pl-PL" dirty="0" err="1" smtClean="0"/>
+              <a:t>it</a:t>
+            </a:r>
+            <a:r>
+              <a:rPr lang="pl-PL" smtClean="0"/>
+              <a:t> from</a:t>
+            </a:r>
+            <a:r>
+              <a:rPr lang="pl-PL" dirty="0"/>
+              <a:t>: </a:t>
+            </a:r>
+            <a:r>
+              <a:rPr lang="pl-PL" dirty="0">
+                <a:hlinkClick r:id="rId4"/>
+              </a:rPr>
+              <a:t>http://www.isti.com/JPlotResp</a:t>
+            </a:r>
+            <a:r>
+              <a:rPr lang="pl-PL" dirty="0" smtClean="0">
+                <a:hlinkClick r:id="rId4"/>
+              </a:rPr>
+              <a:t>/</a:t>
+            </a:r>
+            <a:r>
+              <a:rPr lang="pl-PL" dirty="0" smtClean="0"/>
+              <a:t> </a:t>
             </a:r>
             <a:endParaRPr lang="pl-PL" dirty="0"/>
           </a:p>
@@ -5404,7 +5593,7 @@
 </p:sld>
 </file>
 
-<file path=ppt/slides/slide5.xml><?xml version="1.0" encoding="utf-8"?>
+<file path=ppt/slides/slide6.xml><?xml version="1.0" encoding="utf-8"?>
 <p:sld xmlns:a="http://schemas.openxmlformats.org/drawingml/2006/main" xmlns:r="http://schemas.openxmlformats.org/officeDocument/2006/relationships" xmlns:p="http://schemas.openxmlformats.org/presentationml/2006/main">
   <p:cSld>
     <p:spTree>
@@ -5474,42 +5663,6 @@
           </a:prstGeom>
         </p:spPr>
       </p:pic>
-      <p:sp>
-        <p:nvSpPr>
-          <p:cNvPr id="3" name="TextBox 2"/>
-          <p:cNvSpPr txBox="1"/>
-          <p:nvPr/>
-        </p:nvSpPr>
-        <p:spPr>
-          <a:xfrm>
-            <a:off x="6666891" y="274638"/>
-            <a:ext cx="1760133" cy="646331"/>
-          </a:xfrm>
-          <a:prstGeom prst="rect">
-            <a:avLst/>
-          </a:prstGeom>
-          <a:noFill/>
-        </p:spPr>
-        <p:txBody>
-          <a:bodyPr wrap="square" rtlCol="0">
-            <a:spAutoFit/>
-          </a:bodyPr>
-          <a:lstStyle/>
-          <a:p>
-            <a:r>
-              <a:rPr lang="en-US" dirty="0" smtClean="0"/>
-              <a:t>Network: TA</a:t>
-            </a:r>
-          </a:p>
-          <a:p>
-            <a:r>
-              <a:rPr lang="en-US" dirty="0" smtClean="0"/>
-              <a:t>Station: US4A</a:t>
-            </a:r>
-            <a:endParaRPr lang="en-US" dirty="0"/>
-          </a:p>
-        </p:txBody>
-      </p:sp>
     </p:spTree>
     <p:extLst>
       <p:ext uri="{BB962C8B-B14F-4D97-AF65-F5344CB8AC3E}">
@@ -5523,7 +5676,7 @@
 </p:sld>
 </file>
 
-<file path=ppt/slides/slide6.xml><?xml version="1.0" encoding="utf-8"?>
+<file path=ppt/slides/slide7.xml><?xml version="1.0" encoding="utf-8"?>
 <p:sld xmlns:a="http://schemas.openxmlformats.org/drawingml/2006/main" xmlns:r="http://schemas.openxmlformats.org/officeDocument/2006/relationships" xmlns:p="http://schemas.openxmlformats.org/presentationml/2006/main">
   <p:cSld>
     <p:spTree>
@@ -5611,82 +5764,6 @@
 </p:sld>
 </file>
 
-<file path=ppt/slides/slide7.xml><?xml version="1.0" encoding="utf-8"?>
-<p:sld xmlns:a="http://schemas.openxmlformats.org/drawingml/2006/main" xmlns:r="http://schemas.openxmlformats.org/officeDocument/2006/relationships" xmlns:p="http://schemas.openxmlformats.org/presentationml/2006/main">
-  <p:cSld>
-    <p:spTree>
-      <p:nvGrpSpPr>
-        <p:cNvPr id="1" name=""/>
-        <p:cNvGrpSpPr/>
-        <p:nvPr/>
-      </p:nvGrpSpPr>
-      <p:grpSpPr>
-        <a:xfrm>
-          <a:off x="0" y="0"/>
-          <a:ext cx="0" cy="0"/>
-          <a:chOff x="0" y="0"/>
-          <a:chExt cx="0" cy="0"/>
-        </a:xfrm>
-      </p:grpSpPr>
-      <p:sp>
-        <p:nvSpPr>
-          <p:cNvPr id="2" name="Title 1"/>
-          <p:cNvSpPr>
-            <a:spLocks noGrp="1"/>
-          </p:cNvSpPr>
-          <p:nvPr>
-            <p:ph type="title"/>
-          </p:nvPr>
-        </p:nvSpPr>
-        <p:spPr/>
-        <p:txBody>
-          <a:bodyPr/>
-          <a:lstStyle/>
-          <a:p>
-            <a:r>
-              <a:rPr lang="en-US" dirty="0" smtClean="0"/>
-              <a:t>Bug</a:t>
-            </a:r>
-            <a:endParaRPr lang="en-US" dirty="0"/>
-          </a:p>
-        </p:txBody>
-      </p:sp>
-      <p:sp>
-        <p:nvSpPr>
-          <p:cNvPr id="3" name="Content Placeholder 2"/>
-          <p:cNvSpPr>
-            <a:spLocks noGrp="1"/>
-          </p:cNvSpPr>
-          <p:nvPr>
-            <p:ph idx="1"/>
-          </p:nvPr>
-        </p:nvSpPr>
-        <p:spPr/>
-        <p:txBody>
-          <a:bodyPr/>
-          <a:lstStyle/>
-          <a:p>
-            <a:r>
-              <a:rPr lang="en-US" dirty="0" smtClean="0"/>
-              <a:t>What happens if you put ‘- -’ into the “Location” box? </a:t>
-            </a:r>
-            <a:endParaRPr lang="en-US" dirty="0"/>
-          </a:p>
-        </p:txBody>
-      </p:sp>
-    </p:spTree>
-    <p:extLst>
-      <p:ext uri="{BB962C8B-B14F-4D97-AF65-F5344CB8AC3E}">
-        <p14:creationId xmlns:p14="http://schemas.microsoft.com/office/powerpoint/2010/main" val="199060354"/>
-      </p:ext>
-    </p:extLst>
-  </p:cSld>
-  <p:clrMapOvr>
-    <a:masterClrMapping/>
-  </p:clrMapOvr>
-</p:sld>
-</file>
-
 <file path=ppt/slides/slide8.xml><?xml version="1.0" encoding="utf-8"?>
 <p:sld xmlns:a="http://schemas.openxmlformats.org/drawingml/2006/main" xmlns:r="http://schemas.openxmlformats.org/officeDocument/2006/relationships" xmlns:p="http://schemas.openxmlformats.org/presentationml/2006/main">
   <p:cSld>
@@ -5721,63 +5798,46 @@
           <a:p>
             <a:r>
               <a:rPr lang="en-US" dirty="0" smtClean="0"/>
-              <a:t>Python</a:t>
+              <a:t>Bug?</a:t>
             </a:r>
             <a:endParaRPr lang="en-US" dirty="0"/>
           </a:p>
         </p:txBody>
       </p:sp>
-      <p:sp>
-        <p:nvSpPr>
-          <p:cNvPr id="3" name="Content Placeholder 2"/>
-          <p:cNvSpPr>
-            <a:spLocks noGrp="1"/>
-          </p:cNvSpPr>
-          <p:nvPr>
-            <p:ph idx="1"/>
-          </p:nvPr>
-        </p:nvSpPr>
-        <p:spPr/>
-        <p:txBody>
-          <a:bodyPr/>
-          <a:lstStyle/>
-          <a:p>
-            <a:r>
-              <a:rPr lang="en-US" dirty="0" smtClean="0"/>
-              <a:t>General purpose language</a:t>
-            </a:r>
-          </a:p>
-          <a:p>
-            <a:r>
-              <a:rPr lang="en-US" dirty="0" smtClean="0"/>
-              <a:t>High-level</a:t>
-            </a:r>
-          </a:p>
-          <a:p>
-            <a:r>
-              <a:rPr lang="en-US" dirty="0" smtClean="0"/>
-              <a:t>Commonly used for teaching intro CS classes </a:t>
-            </a:r>
-          </a:p>
-          <a:p>
-            <a:r>
-              <a:rPr lang="en-US" dirty="0" smtClean="0"/>
-              <a:t>Open source</a:t>
-            </a:r>
-          </a:p>
-          <a:p>
-            <a:r>
-              <a:rPr lang="en-US" dirty="0" smtClean="0"/>
-              <a:t>Scripting allowed </a:t>
-            </a:r>
-            <a:endParaRPr lang="en-US" dirty="0"/>
-          </a:p>
-        </p:txBody>
-      </p:sp>
+      <p:pic>
+        <p:nvPicPr>
+          <p:cNvPr id="3" name="Picture 2" descr="Screen Shot 2014-08-04 at 9.42.44 AM.png"/>
+          <p:cNvPicPr>
+            <a:picLocks noChangeAspect="1"/>
+          </p:cNvPicPr>
+          <p:nvPr/>
+        </p:nvPicPr>
+        <p:blipFill>
+          <a:blip r:embed="rId2">
+            <a:extLst>
+              <a:ext uri="{28A0092B-C50C-407E-A947-70E740481C1C}">
+                <a14:useLocalDpi xmlns:a14="http://schemas.microsoft.com/office/drawing/2010/main" val="0"/>
+              </a:ext>
+            </a:extLst>
+          </a:blip>
+          <a:stretch>
+            <a:fillRect/>
+          </a:stretch>
+        </p:blipFill>
+        <p:spPr>
+          <a:xfrm>
+            <a:off x="0" y="1610075"/>
+            <a:ext cx="9144000" cy="4914027"/>
+          </a:xfrm>
+          <a:prstGeom prst="rect">
+            <a:avLst/>
+          </a:prstGeom>
+        </p:spPr>
+      </p:pic>
     </p:spTree>
     <p:extLst>
       <p:ext uri="{BB962C8B-B14F-4D97-AF65-F5344CB8AC3E}">
-        <p14:creationId xmlns:p14="http://schemas.microsoft.com/office/powerpoint/2010/main" val="2560964455"/>
+        <p14:creationId xmlns:p14="http://schemas.microsoft.com/office/powerpoint/2010/main" val="1934236027"/>
       </p:ext>
     </p:extLst>
   </p:cSld>
@@ -5804,108 +5864,70 @@
           <a:chExt cx="0" cy="0"/>
         </a:xfrm>
       </p:grpSpPr>
-      <p:sp>
-        <p:nvSpPr>
-          <p:cNvPr id="2" name="Title 1"/>
-          <p:cNvSpPr>
-            <a:spLocks noGrp="1"/>
-          </p:cNvSpPr>
-          <p:nvPr>
-            <p:ph type="title"/>
-          </p:nvPr>
-        </p:nvSpPr>
-        <p:spPr/>
-        <p:txBody>
-          <a:bodyPr/>
-          <a:lstStyle/>
-          <a:p>
-            <a:r>
-              <a:rPr lang="en-US" dirty="0" smtClean="0"/>
-              <a:t>Installing Python -- Tips</a:t>
-            </a:r>
-            <a:endParaRPr lang="en-US" dirty="0"/>
-          </a:p>
-        </p:txBody>
-      </p:sp>
-      <p:sp>
-        <p:nvSpPr>
-          <p:cNvPr id="3" name="Content Placeholder 2"/>
-          <p:cNvSpPr>
-            <a:spLocks noGrp="1"/>
-          </p:cNvSpPr>
-          <p:nvPr>
-            <p:ph idx="1"/>
-          </p:nvPr>
-        </p:nvSpPr>
-        <p:spPr/>
-        <p:txBody>
-          <a:bodyPr/>
-          <a:lstStyle/>
-          <a:p>
-            <a:r>
-              <a:rPr lang="en-US" dirty="0"/>
-              <a:t>Easy way: </a:t>
-            </a:r>
-            <a:r>
-              <a:rPr lang="en-US" dirty="0">
-                <a:hlinkClick r:id="rId3"/>
-              </a:rPr>
-              <a:t>https://store.enthought.com/downloads</a:t>
-            </a:r>
-            <a:r>
-              <a:rPr lang="en-US" dirty="0" smtClean="0">
-                <a:hlinkClick r:id="rId3"/>
-              </a:rPr>
-              <a:t>/</a:t>
-            </a:r>
-            <a:r>
-              <a:rPr lang="en-US" dirty="0" smtClean="0"/>
-              <a:t> </a:t>
-            </a:r>
-            <a:endParaRPr lang="en-US" dirty="0"/>
-          </a:p>
-          <a:p>
-            <a:r>
-              <a:rPr lang="en-US" dirty="0" smtClean="0"/>
-              <a:t>Hard </a:t>
-            </a:r>
-            <a:r>
-              <a:rPr lang="en-US" dirty="0" err="1" smtClean="0"/>
-              <a:t>way:</a:t>
-            </a:r>
-            <a:r>
-              <a:rPr lang="en-US" dirty="0" err="1" smtClean="0">
-                <a:hlinkClick r:id="rId4"/>
-              </a:rPr>
-              <a:t>http</a:t>
-            </a:r>
-            <a:r>
-              <a:rPr lang="en-US" dirty="0">
-                <a:hlinkClick r:id="rId4"/>
-              </a:rPr>
-              <a:t>://aimbat.readthedocs.org/en/latest/docfiles/</a:t>
-            </a:r>
-            <a:r>
-              <a:rPr lang="en-US" dirty="0" smtClean="0">
-                <a:hlinkClick r:id="rId4"/>
-              </a:rPr>
-              <a:t>install_dependencies.html</a:t>
-            </a:r>
-            <a:endParaRPr lang="en-US" dirty="0" smtClean="0"/>
-          </a:p>
-          <a:p>
-            <a:r>
-              <a:rPr lang="en-US" dirty="0" smtClean="0"/>
-              <a:t>Note: Python is already installed on the cluster computers</a:t>
-            </a:r>
-            <a:endParaRPr lang="en-US" dirty="0"/>
-          </a:p>
-        </p:txBody>
-      </p:sp>
+      <p:pic>
+        <p:nvPicPr>
+          <p:cNvPr id="3" name="Picture 2" descr="Screen Shot 2014-08-04 at 9.42.00 AM.png"/>
+          <p:cNvPicPr>
+            <a:picLocks noChangeAspect="1"/>
+          </p:cNvPicPr>
+          <p:nvPr/>
+        </p:nvPicPr>
+        <p:blipFill>
+          <a:blip r:embed="rId2">
+            <a:extLst>
+              <a:ext uri="{28A0092B-C50C-407E-A947-70E740481C1C}">
+                <a14:useLocalDpi xmlns:a14="http://schemas.microsoft.com/office/drawing/2010/main" val="0"/>
+              </a:ext>
+            </a:extLst>
+          </a:blip>
+          <a:stretch>
+            <a:fillRect/>
+          </a:stretch>
+        </p:blipFill>
+        <p:spPr>
+          <a:xfrm>
+            <a:off x="0" y="0"/>
+            <a:ext cx="9144000" cy="2377012"/>
+          </a:xfrm>
+          <a:prstGeom prst="rect">
+            <a:avLst/>
+          </a:prstGeom>
+        </p:spPr>
+      </p:pic>
+      <p:pic>
+        <p:nvPicPr>
+          <p:cNvPr id="4" name="Picture 3" descr="Screen Shot 2014-08-04 at 9.41.55 AM.png"/>
+          <p:cNvPicPr>
+            <a:picLocks noChangeAspect="1"/>
+          </p:cNvPicPr>
+          <p:nvPr/>
+        </p:nvPicPr>
+        <p:blipFill>
+          <a:blip r:embed="rId3">
+            <a:extLst>
+              <a:ext uri="{28A0092B-C50C-407E-A947-70E740481C1C}">
+                <a14:useLocalDpi xmlns:a14="http://schemas.microsoft.com/office/drawing/2010/main" val="0"/>
+              </a:ext>
+            </a:extLst>
+          </a:blip>
+          <a:stretch>
+            <a:fillRect/>
+          </a:stretch>
+        </p:blipFill>
+        <p:spPr>
+          <a:xfrm>
+            <a:off x="2036582" y="1914781"/>
+            <a:ext cx="5216112" cy="4914127"/>
+          </a:xfrm>
+          <a:prstGeom prst="rect">
+            <a:avLst/>
+          </a:prstGeom>
+        </p:spPr>
+      </p:pic>
     </p:spTree>
     <p:extLst>
       <p:ext uri="{BB962C8B-B14F-4D97-AF65-F5344CB8AC3E}">
-        <p14:creationId xmlns:p14="http://schemas.microsoft.com/office/powerpoint/2010/main" val="2707125529"/>
+        <p14:creationId xmlns:p14="http://schemas.microsoft.com/office/powerpoint/2010/main" val="1502190630"/>
       </p:ext>
     </p:extLst>
   </p:cSld>
